--- a/ppt/lesson06.pptx
+++ b/ppt/lesson06.pptx
@@ -6,13 +6,9 @@
   </p:sldMasterIdLst>
   <p:sldIdLst>
     <p:sldId id="256" r:id="rId2"/>
-    <p:sldId id="273" r:id="rId3"/>
-    <p:sldId id="274" r:id="rId4"/>
-    <p:sldId id="272" r:id="rId5"/>
-    <p:sldId id="275" r:id="rId6"/>
-    <p:sldId id="276" r:id="rId7"/>
-    <p:sldId id="264" r:id="rId8"/>
-    <p:sldId id="271" r:id="rId9"/>
+    <p:sldId id="277" r:id="rId3"/>
+    <p:sldId id="279" r:id="rId4"/>
+    <p:sldId id="264" r:id="rId5"/>
   </p:sldIdLst>
   <p:sldSz cx="9144000" cy="6858000" type="screen4x3"/>
   <p:notesSz cx="6888163" cy="10020300"/>
@@ -250,7 +246,7 @@
           <a:p>
             <a:fld id="{E1BA411A-197C-4FAE-AAA1-E05F9BAD9EAC}" type="datetimeFigureOut">
               <a:rPr lang="en-US" smtClean="0"/>
-              <a:t>12/12/2017</a:t>
+              <a:t>1/30/2018</a:t>
             </a:fld>
             <a:endParaRPr lang="en-US"/>
           </a:p>
@@ -420,7 +416,7 @@
           <a:p>
             <a:fld id="{E1BA411A-197C-4FAE-AAA1-E05F9BAD9EAC}" type="datetimeFigureOut">
               <a:rPr lang="en-US" smtClean="0"/>
-              <a:t>12/12/2017</a:t>
+              <a:t>1/30/2018</a:t>
             </a:fld>
             <a:endParaRPr lang="en-US"/>
           </a:p>
@@ -600,7 +596,7 @@
           <a:p>
             <a:fld id="{E1BA411A-197C-4FAE-AAA1-E05F9BAD9EAC}" type="datetimeFigureOut">
               <a:rPr lang="en-US" smtClean="0"/>
-              <a:t>12/12/2017</a:t>
+              <a:t>1/30/2018</a:t>
             </a:fld>
             <a:endParaRPr lang="en-US"/>
           </a:p>
@@ -770,7 +766,7 @@
           <a:p>
             <a:fld id="{E1BA411A-197C-4FAE-AAA1-E05F9BAD9EAC}" type="datetimeFigureOut">
               <a:rPr lang="en-US" smtClean="0"/>
-              <a:t>12/12/2017</a:t>
+              <a:t>1/30/2018</a:t>
             </a:fld>
             <a:endParaRPr lang="en-US"/>
           </a:p>
@@ -1014,7 +1010,7 @@
           <a:p>
             <a:fld id="{E1BA411A-197C-4FAE-AAA1-E05F9BAD9EAC}" type="datetimeFigureOut">
               <a:rPr lang="en-US" smtClean="0"/>
-              <a:t>12/12/2017</a:t>
+              <a:t>1/30/2018</a:t>
             </a:fld>
             <a:endParaRPr lang="en-US"/>
           </a:p>
@@ -1246,7 +1242,7 @@
           <a:p>
             <a:fld id="{E1BA411A-197C-4FAE-AAA1-E05F9BAD9EAC}" type="datetimeFigureOut">
               <a:rPr lang="en-US" smtClean="0"/>
-              <a:t>12/12/2017</a:t>
+              <a:t>1/30/2018</a:t>
             </a:fld>
             <a:endParaRPr lang="en-US"/>
           </a:p>
@@ -1613,7 +1609,7 @@
           <a:p>
             <a:fld id="{E1BA411A-197C-4FAE-AAA1-E05F9BAD9EAC}" type="datetimeFigureOut">
               <a:rPr lang="en-US" smtClean="0"/>
-              <a:t>12/12/2017</a:t>
+              <a:t>1/30/2018</a:t>
             </a:fld>
             <a:endParaRPr lang="en-US"/>
           </a:p>
@@ -1731,7 +1727,7 @@
           <a:p>
             <a:fld id="{E1BA411A-197C-4FAE-AAA1-E05F9BAD9EAC}" type="datetimeFigureOut">
               <a:rPr lang="en-US" smtClean="0"/>
-              <a:t>12/12/2017</a:t>
+              <a:t>1/30/2018</a:t>
             </a:fld>
             <a:endParaRPr lang="en-US"/>
           </a:p>
@@ -1826,7 +1822,7 @@
           <a:p>
             <a:fld id="{E1BA411A-197C-4FAE-AAA1-E05F9BAD9EAC}" type="datetimeFigureOut">
               <a:rPr lang="en-US" smtClean="0"/>
-              <a:t>12/12/2017</a:t>
+              <a:t>1/30/2018</a:t>
             </a:fld>
             <a:endParaRPr lang="en-US"/>
           </a:p>
@@ -2103,7 +2099,7 @@
           <a:p>
             <a:fld id="{E1BA411A-197C-4FAE-AAA1-E05F9BAD9EAC}" type="datetimeFigureOut">
               <a:rPr lang="en-US" smtClean="0"/>
-              <a:t>12/12/2017</a:t>
+              <a:t>1/30/2018</a:t>
             </a:fld>
             <a:endParaRPr lang="en-US"/>
           </a:p>
@@ -2360,7 +2356,7 @@
           <a:p>
             <a:fld id="{E1BA411A-197C-4FAE-AAA1-E05F9BAD9EAC}" type="datetimeFigureOut">
               <a:rPr lang="en-US" smtClean="0"/>
-              <a:t>12/12/2017</a:t>
+              <a:t>1/30/2018</a:t>
             </a:fld>
             <a:endParaRPr lang="en-US"/>
           </a:p>
@@ -2573,7 +2569,7 @@
           <a:p>
             <a:fld id="{E1BA411A-197C-4FAE-AAA1-E05F9BAD9EAC}" type="datetimeFigureOut">
               <a:rPr lang="en-US" smtClean="0"/>
-              <a:t>12/12/2017</a:t>
+              <a:t>1/30/2018</a:t>
             </a:fld>
             <a:endParaRPr lang="en-US"/>
           </a:p>
@@ -2994,7 +2990,12 @@
             <p:ph type="ctrTitle"/>
           </p:nvPr>
         </p:nvSpPr>
-        <p:spPr/>
+        <p:spPr>
+          <a:xfrm>
+            <a:off x="685800" y="72880"/>
+            <a:ext cx="7772400" cy="2387600"/>
+          </a:xfrm>
+        </p:spPr>
         <p:txBody>
           <a:bodyPr/>
           <a:lstStyle/>
@@ -3053,8 +3054,8 @@
         </p:nvSpPr>
         <p:spPr>
           <a:xfrm>
-            <a:off x="496957" y="3602038"/>
-            <a:ext cx="8150086" cy="1655762"/>
+            <a:off x="1143000" y="2552555"/>
+            <a:ext cx="6858000" cy="1655762"/>
           </a:xfrm>
         </p:spPr>
         <p:txBody>
@@ -3067,38 +3068,7 @@
                 <a:ea typeface="Tahoma" panose="020B0604030504040204" pitchFamily="34" charset="0"/>
                 <a:cs typeface="Tahoma" panose="020B0604030504040204" pitchFamily="34" charset="0"/>
               </a:rPr>
-              <a:t>This subject is </a:t>
-            </a:r>
-            <a:br>
-              <a:rPr lang="en-US" altLang="ja-JP" sz="3600" dirty="0">
-                <a:latin typeface="Futura" panose="020B2102020204020303" pitchFamily="34" charset="0"/>
-                <a:ea typeface="Tahoma" panose="020B0604030504040204" pitchFamily="34" charset="0"/>
-                <a:cs typeface="Tahoma" panose="020B0604030504040204" pitchFamily="34" charset="0"/>
-              </a:rPr>
-            </a:br>
-            <a:r>
-              <a:rPr lang="en-US" altLang="ja-JP" sz="3600" dirty="0">
-                <a:latin typeface="Futura" panose="020B2102020204020303" pitchFamily="34" charset="0"/>
-                <a:ea typeface="Tahoma" panose="020B0604030504040204" pitchFamily="34" charset="0"/>
-                <a:cs typeface="Tahoma" panose="020B0604030504040204" pitchFamily="34" charset="0"/>
-              </a:rPr>
-              <a:t>"Database and </a:t>
-            </a:r>
-            <a:r>
-              <a:rPr lang="en-US" altLang="ja-JP" sz="3600" dirty="0" err="1">
-                <a:latin typeface="Futura" panose="020B2102020204020303" pitchFamily="34" charset="0"/>
-                <a:ea typeface="Tahoma" panose="020B0604030504040204" pitchFamily="34" charset="0"/>
-                <a:cs typeface="Tahoma" panose="020B0604030504040204" pitchFamily="34" charset="0"/>
-              </a:rPr>
-              <a:t>phpMyAdmin</a:t>
-            </a:r>
-            <a:r>
-              <a:rPr lang="en-US" altLang="ja-JP" sz="3600" dirty="0">
-                <a:latin typeface="Futura" panose="020B2102020204020303" pitchFamily="34" charset="0"/>
-                <a:ea typeface="Tahoma" panose="020B0604030504040204" pitchFamily="34" charset="0"/>
-                <a:cs typeface="Tahoma" panose="020B0604030504040204" pitchFamily="34" charset="0"/>
-              </a:rPr>
-              <a:t>"</a:t>
+              <a:t>This subject is "use SQL from PHP "</a:t>
             </a:r>
             <a:endParaRPr lang="en-US" altLang="ja-JP" sz="1700" dirty="0">
               <a:latin typeface="Futura" panose="020B2102020204020303" pitchFamily="34" charset="0"/>
@@ -3146,951 +3116,6 @@
 </file>
 
 <file path=ppt/slides/slide2.xml><?xml version="1.0" encoding="utf-8"?>
-<p:sld xmlns:a="http://schemas.openxmlformats.org/drawingml/2006/main" xmlns:r="http://schemas.openxmlformats.org/officeDocument/2006/relationships" xmlns:p="http://schemas.openxmlformats.org/presentationml/2006/main">
-  <p:cSld>
-    <p:spTree>
-      <p:nvGrpSpPr>
-        <p:cNvPr id="1" name=""/>
-        <p:cNvGrpSpPr/>
-        <p:nvPr/>
-      </p:nvGrpSpPr>
-      <p:grpSpPr>
-        <a:xfrm>
-          <a:off x="0" y="0"/>
-          <a:ext cx="0" cy="0"/>
-          <a:chOff x="0" y="0"/>
-          <a:chExt cx="0" cy="0"/>
-        </a:xfrm>
-      </p:grpSpPr>
-      <p:sp>
-        <p:nvSpPr>
-          <p:cNvPr id="2" name="Title 1">
-            <a:extLst>
-              <a:ext uri="{FF2B5EF4-FFF2-40B4-BE49-F238E27FC236}">
-                <a16:creationId xmlns:a16="http://schemas.microsoft.com/office/drawing/2014/main" id="{BA4233F0-024A-4A23-9478-67220C60934F}"/>
-              </a:ext>
-            </a:extLst>
-          </p:cNvPr>
-          <p:cNvSpPr>
-            <a:spLocks noGrp="1"/>
-          </p:cNvSpPr>
-          <p:nvPr>
-            <p:ph type="title"/>
-          </p:nvPr>
-        </p:nvSpPr>
-        <p:spPr/>
-        <p:txBody>
-          <a:bodyPr/>
-          <a:lstStyle/>
-          <a:p>
-            <a:r>
-              <a:rPr lang="en-US" dirty="0">
-                <a:latin typeface="Futura" panose="020B2102020204020303" pitchFamily="34" charset="0"/>
-              </a:rPr>
-              <a:t>RDBMS</a:t>
-            </a:r>
-            <a:br>
-              <a:rPr lang="en-US" dirty="0">
-                <a:latin typeface="Futura" panose="020B2102020204020303" pitchFamily="34" charset="0"/>
-              </a:rPr>
-            </a:br>
-            <a:r>
-              <a:rPr lang="en-US" sz="3200" dirty="0">
-                <a:latin typeface="Futura" panose="020B2102020204020303" pitchFamily="34" charset="0"/>
-              </a:rPr>
-              <a:t>(Relational </a:t>
-            </a:r>
-            <a:r>
-              <a:rPr lang="en-US" sz="3200" dirty="0" err="1">
-                <a:latin typeface="Futura" panose="020B2102020204020303" pitchFamily="34" charset="0"/>
-              </a:rPr>
-              <a:t>DataBase</a:t>
-            </a:r>
-            <a:r>
-              <a:rPr lang="en-US" sz="3200" dirty="0">
-                <a:latin typeface="Futura" panose="020B2102020204020303" pitchFamily="34" charset="0"/>
-              </a:rPr>
-              <a:t> Management System)</a:t>
-            </a:r>
-          </a:p>
-        </p:txBody>
-      </p:sp>
-      <p:sp>
-        <p:nvSpPr>
-          <p:cNvPr id="3" name="Content Placeholder 2">
-            <a:extLst>
-              <a:ext uri="{FF2B5EF4-FFF2-40B4-BE49-F238E27FC236}">
-                <a16:creationId xmlns:a16="http://schemas.microsoft.com/office/drawing/2014/main" id="{A57C5723-0F53-4B57-8169-77F503A7649D}"/>
-              </a:ext>
-            </a:extLst>
-          </p:cNvPr>
-          <p:cNvSpPr>
-            <a:spLocks noGrp="1"/>
-          </p:cNvSpPr>
-          <p:nvPr>
-            <p:ph idx="1"/>
-          </p:nvPr>
-        </p:nvSpPr>
-        <p:spPr/>
-        <p:txBody>
-          <a:bodyPr/>
-          <a:lstStyle/>
-          <a:p>
-            <a:pPr>
-              <a:lnSpc>
-                <a:spcPct val="150000"/>
-              </a:lnSpc>
-            </a:pPr>
-            <a:r>
-              <a:rPr lang="en-US" dirty="0">
-                <a:latin typeface="Futura" panose="020B2102020204020303" pitchFamily="34" charset="0"/>
-              </a:rPr>
-              <a:t>A relational database management system (RDBMS) is a database management system (DBMS) that is based on the relational model invented by Edgar F. Codd, of IBM's San Jose Research Laboratory. Most databases in widespread use are based on the relational database model.</a:t>
-            </a:r>
-          </a:p>
-        </p:txBody>
-      </p:sp>
-    </p:spTree>
-    <p:extLst>
-      <p:ext uri="{BB962C8B-B14F-4D97-AF65-F5344CB8AC3E}">
-        <p14:creationId xmlns:p14="http://schemas.microsoft.com/office/powerpoint/2010/main" val="1082152675"/>
-      </p:ext>
-    </p:extLst>
-  </p:cSld>
-  <p:clrMapOvr>
-    <a:masterClrMapping/>
-  </p:clrMapOvr>
-</p:sld>
-</file>
-
-<file path=ppt/slides/slide3.xml><?xml version="1.0" encoding="utf-8"?>
-<p:sld xmlns:a="http://schemas.openxmlformats.org/drawingml/2006/main" xmlns:r="http://schemas.openxmlformats.org/officeDocument/2006/relationships" xmlns:p="http://schemas.openxmlformats.org/presentationml/2006/main">
-  <p:cSld>
-    <p:bg>
-      <p:bgPr>
-        <a:solidFill>
-          <a:schemeClr val="bg1"/>
-        </a:solidFill>
-        <a:effectLst/>
-      </p:bgPr>
-    </p:bg>
-    <p:spTree>
-      <p:nvGrpSpPr>
-        <p:cNvPr id="1" name=""/>
-        <p:cNvGrpSpPr/>
-        <p:nvPr/>
-      </p:nvGrpSpPr>
-      <p:grpSpPr>
-        <a:xfrm>
-          <a:off x="0" y="0"/>
-          <a:ext cx="0" cy="0"/>
-          <a:chOff x="0" y="0"/>
-          <a:chExt cx="0" cy="0"/>
-        </a:xfrm>
-      </p:grpSpPr>
-      <p:pic>
-        <p:nvPicPr>
-          <p:cNvPr id="14" name="Content Placeholder 4" descr="A screenshot of a cell phone&#10;&#10;Description generated with very high confidence">
-            <a:extLst>
-              <a:ext uri="{FF2B5EF4-FFF2-40B4-BE49-F238E27FC236}">
-                <a16:creationId xmlns:a16="http://schemas.microsoft.com/office/drawing/2014/main" id="{DD164050-B03D-419D-BA8E-7D3EFAF025CB}"/>
-              </a:ext>
-            </a:extLst>
-          </p:cNvPr>
-          <p:cNvPicPr>
-            <a:picLocks noGrp="1" noChangeAspect="1"/>
-          </p:cNvPicPr>
-          <p:nvPr>
-            <p:ph idx="1"/>
-          </p:nvPr>
-        </p:nvPicPr>
-        <p:blipFill>
-          <a:blip r:embed="rId2">
-            <a:extLst>
-              <a:ext uri="{28A0092B-C50C-407E-A947-70E740481C1C}">
-                <a14:useLocalDpi xmlns:a14="http://schemas.microsoft.com/office/drawing/2010/main" val="0"/>
-              </a:ext>
-            </a:extLst>
-          </a:blip>
-          <a:stretch>
-            <a:fillRect/>
-          </a:stretch>
-        </p:blipFill>
-        <p:spPr>
-          <a:xfrm>
-            <a:off x="3865366" y="1537364"/>
-            <a:ext cx="4915159" cy="3791214"/>
-          </a:xfrm>
-          <a:prstGeom prst="rect">
-            <a:avLst/>
-          </a:prstGeom>
-        </p:spPr>
-      </p:pic>
-      <p:sp>
-        <p:nvSpPr>
-          <p:cNvPr id="15" name="Rectangle 10">
-            <a:extLst>
-              <a:ext uri="{FF2B5EF4-FFF2-40B4-BE49-F238E27FC236}">
-                <a16:creationId xmlns:a16="http://schemas.microsoft.com/office/drawing/2014/main" id="{AB45A142-4255-493C-8284-5D566C121B10}"/>
-              </a:ext>
-            </a:extLst>
-          </p:cNvPr>
-          <p:cNvSpPr>
-            <a:spLocks noGrp="1" noRot="1" noChangeAspect="1" noMove="1" noResize="1" noEditPoints="1" noAdjustHandles="1" noChangeArrowheads="1" noChangeShapeType="1" noTextEdit="1"/>
-          </p:cNvSpPr>
-          <p:nvPr>
-            <p:extLst>
-              <p:ext uri="{386F3935-93C4-4BCD-93E2-E3B085C9AB24}">
-                <p16:designElem xmlns:p16="http://schemas.microsoft.com/office/powerpoint/2015/main" val="1"/>
-              </p:ext>
-            </p:extLst>
-          </p:nvPr>
-        </p:nvSpPr>
-        <p:spPr bwMode="ltGray">
-          <a:xfrm>
-            <a:off x="252663" y="321177"/>
-            <a:ext cx="3249230" cy="6179552"/>
-          </a:xfrm>
-          <a:prstGeom prst="rect">
-            <a:avLst/>
-          </a:prstGeom>
-          <a:solidFill>
-            <a:schemeClr val="tx1">
-              <a:lumMod val="75000"/>
-              <a:lumOff val="25000"/>
-            </a:schemeClr>
-          </a:solidFill>
-          <a:ln w="127000" cap="sq" cmpd="thinThick">
-            <a:solidFill>
-              <a:schemeClr val="tx1">
-                <a:lumMod val="75000"/>
-                <a:lumOff val="25000"/>
-              </a:schemeClr>
-            </a:solidFill>
-          </a:ln>
-        </p:spPr>
-        <p:style>
-          <a:lnRef idx="2">
-            <a:schemeClr val="accent1">
-              <a:shade val="50000"/>
-            </a:schemeClr>
-          </a:lnRef>
-          <a:fillRef idx="1">
-            <a:schemeClr val="accent1"/>
-          </a:fillRef>
-          <a:effectRef idx="0">
-            <a:schemeClr val="accent1"/>
-          </a:effectRef>
-          <a:fontRef idx="minor">
-            <a:schemeClr val="lt1"/>
-          </a:fontRef>
-        </p:style>
-        <p:txBody>
-          <a:bodyPr rtlCol="0" anchor="ctr"/>
-          <a:lstStyle/>
-          <a:p>
-            <a:pPr algn="ctr"/>
-            <a:endParaRPr lang="en-US"/>
-          </a:p>
-        </p:txBody>
-      </p:sp>
-      <p:cxnSp>
-        <p:nvCxnSpPr>
-          <p:cNvPr id="13" name="Straight Connector 12">
-            <a:extLst>
-              <a:ext uri="{FF2B5EF4-FFF2-40B4-BE49-F238E27FC236}">
-                <a16:creationId xmlns:a16="http://schemas.microsoft.com/office/drawing/2014/main" id="{38FB9660-F42F-4313-BBC4-47C007FE484C}"/>
-              </a:ext>
-            </a:extLst>
-          </p:cNvPr>
-          <p:cNvCxnSpPr>
-            <a:cxnSpLocks noGrp="1" noRot="1" noChangeAspect="1" noMove="1" noResize="1" noEditPoints="1" noAdjustHandles="1" noChangeArrowheads="1" noChangeShapeType="1"/>
-          </p:cNvCxnSpPr>
-          <p:nvPr>
-            <p:extLst>
-              <p:ext uri="{386F3935-93C4-4BCD-93E2-E3B085C9AB24}">
-                <p16:designElem xmlns:p16="http://schemas.microsoft.com/office/powerpoint/2015/main" val="1"/>
-              </p:ext>
-            </p:extLst>
-          </p:nvPr>
-        </p:nvCxnSpPr>
-        <p:spPr>
-          <a:xfrm>
-            <a:off x="893344" y="3910267"/>
-            <a:ext cx="1940093" cy="0"/>
-          </a:xfrm>
-          <a:prstGeom prst="line">
-            <a:avLst/>
-          </a:prstGeom>
-          <a:ln w="22225">
-            <a:solidFill>
-              <a:schemeClr val="bg1">
-                <a:lumMod val="85000"/>
-              </a:schemeClr>
-            </a:solidFill>
-          </a:ln>
-        </p:spPr>
-        <p:style>
-          <a:lnRef idx="1">
-            <a:schemeClr val="accent1"/>
-          </a:lnRef>
-          <a:fillRef idx="0">
-            <a:schemeClr val="accent1"/>
-          </a:fillRef>
-          <a:effectRef idx="0">
-            <a:schemeClr val="accent1"/>
-          </a:effectRef>
-          <a:fontRef idx="minor">
-            <a:schemeClr val="tx1"/>
-          </a:fontRef>
-        </p:style>
-      </p:cxnSp>
-      <p:sp>
-        <p:nvSpPr>
-          <p:cNvPr id="2" name="Title 1">
-            <a:extLst>
-              <a:ext uri="{FF2B5EF4-FFF2-40B4-BE49-F238E27FC236}">
-                <a16:creationId xmlns:a16="http://schemas.microsoft.com/office/drawing/2014/main" id="{BA4233F0-024A-4A23-9478-67220C60934F}"/>
-              </a:ext>
-            </a:extLst>
-          </p:cNvPr>
-          <p:cNvSpPr>
-            <a:spLocks noGrp="1"/>
-          </p:cNvSpPr>
-          <p:nvPr>
-            <p:ph type="title"/>
-          </p:nvPr>
-        </p:nvSpPr>
-        <p:spPr>
-          <a:xfrm>
-            <a:off x="505677" y="914400"/>
-            <a:ext cx="2743200" cy="2887579"/>
-          </a:xfrm>
-        </p:spPr>
-        <p:txBody>
-          <a:bodyPr vert="horz" lIns="91440" tIns="45720" rIns="91440" bIns="45720" rtlCol="0" anchor="b">
-            <a:normAutofit/>
-          </a:bodyPr>
-          <a:lstStyle/>
-          <a:p>
-            <a:pPr algn="ctr"/>
-            <a:r>
-              <a:rPr lang="en-US" sz="4200" kern="1200">
-                <a:solidFill>
-                  <a:schemeClr val="bg1"/>
-                </a:solidFill>
-                <a:latin typeface="+mj-lt"/>
-                <a:ea typeface="+mj-ea"/>
-                <a:cs typeface="+mj-cs"/>
-              </a:rPr>
-              <a:t>RDBMS brands</a:t>
-            </a:r>
-          </a:p>
-        </p:txBody>
-      </p:sp>
-      <p:sp>
-        <p:nvSpPr>
-          <p:cNvPr id="3" name="TextBox 2">
-            <a:extLst>
-              <a:ext uri="{FF2B5EF4-FFF2-40B4-BE49-F238E27FC236}">
-                <a16:creationId xmlns:a16="http://schemas.microsoft.com/office/drawing/2014/main" id="{5C8772C9-3376-481C-9A4B-2E5AFE07D441}"/>
-              </a:ext>
-            </a:extLst>
-          </p:cNvPr>
-          <p:cNvSpPr txBox="1"/>
-          <p:nvPr/>
-        </p:nvSpPr>
-        <p:spPr>
-          <a:xfrm>
-            <a:off x="8028600" y="5731288"/>
-            <a:ext cx="862737" cy="769441"/>
-          </a:xfrm>
-          <a:prstGeom prst="rect">
-            <a:avLst/>
-          </a:prstGeom>
-          <a:noFill/>
-        </p:spPr>
-        <p:txBody>
-          <a:bodyPr wrap="none" rtlCol="0">
-            <a:spAutoFit/>
-          </a:bodyPr>
-          <a:lstStyle/>
-          <a:p>
-            <a:r>
-              <a:rPr lang="en-US" sz="4400" dirty="0" err="1">
-                <a:latin typeface="Futura" panose="020B2102020204020303" pitchFamily="34" charset="0"/>
-              </a:rPr>
-              <a:t>etc</a:t>
-            </a:r>
-            <a:endParaRPr lang="en-US" sz="4400" dirty="0">
-              <a:latin typeface="Futura" panose="020B2102020204020303" pitchFamily="34" charset="0"/>
-            </a:endParaRPr>
-          </a:p>
-        </p:txBody>
-      </p:sp>
-    </p:spTree>
-    <p:extLst>
-      <p:ext uri="{BB962C8B-B14F-4D97-AF65-F5344CB8AC3E}">
-        <p14:creationId xmlns:p14="http://schemas.microsoft.com/office/powerpoint/2010/main" val="704139868"/>
-      </p:ext>
-    </p:extLst>
-  </p:cSld>
-  <p:clrMapOvr>
-    <a:masterClrMapping/>
-  </p:clrMapOvr>
-</p:sld>
-</file>
-
-<file path=ppt/slides/slide4.xml><?xml version="1.0" encoding="utf-8"?>
-<p:sld xmlns:a="http://schemas.openxmlformats.org/drawingml/2006/main" xmlns:r="http://schemas.openxmlformats.org/officeDocument/2006/relationships" xmlns:p="http://schemas.openxmlformats.org/presentationml/2006/main">
-  <p:cSld>
-    <p:spTree>
-      <p:nvGrpSpPr>
-        <p:cNvPr id="1" name=""/>
-        <p:cNvGrpSpPr/>
-        <p:nvPr/>
-      </p:nvGrpSpPr>
-      <p:grpSpPr>
-        <a:xfrm>
-          <a:off x="0" y="0"/>
-          <a:ext cx="0" cy="0"/>
-          <a:chOff x="0" y="0"/>
-          <a:chExt cx="0" cy="0"/>
-        </a:xfrm>
-      </p:grpSpPr>
-      <p:sp>
-        <p:nvSpPr>
-          <p:cNvPr id="2" name="Title 1">
-            <a:extLst>
-              <a:ext uri="{FF2B5EF4-FFF2-40B4-BE49-F238E27FC236}">
-                <a16:creationId xmlns:a16="http://schemas.microsoft.com/office/drawing/2014/main" id="{E9174814-5AD1-4F7B-BBA5-B9288D593ADE}"/>
-              </a:ext>
-            </a:extLst>
-          </p:cNvPr>
-          <p:cNvSpPr>
-            <a:spLocks noGrp="1"/>
-          </p:cNvSpPr>
-          <p:nvPr>
-            <p:ph type="title"/>
-          </p:nvPr>
-        </p:nvSpPr>
-        <p:spPr/>
-        <p:txBody>
-          <a:bodyPr/>
-          <a:lstStyle/>
-          <a:p>
-            <a:r>
-              <a:rPr lang="en-US" dirty="0">
-                <a:latin typeface="Futura" panose="020B2102020204020303" pitchFamily="34" charset="0"/>
-              </a:rPr>
-              <a:t>MySQL</a:t>
-            </a:r>
-          </a:p>
-        </p:txBody>
-      </p:sp>
-      <p:sp>
-        <p:nvSpPr>
-          <p:cNvPr id="3" name="Content Placeholder 2">
-            <a:extLst>
-              <a:ext uri="{FF2B5EF4-FFF2-40B4-BE49-F238E27FC236}">
-                <a16:creationId xmlns:a16="http://schemas.microsoft.com/office/drawing/2014/main" id="{A6F82A52-9BA0-400F-B454-E6FE19C44B23}"/>
-              </a:ext>
-            </a:extLst>
-          </p:cNvPr>
-          <p:cNvSpPr>
-            <a:spLocks noGrp="1"/>
-          </p:cNvSpPr>
-          <p:nvPr>
-            <p:ph idx="1"/>
-          </p:nvPr>
-        </p:nvSpPr>
-        <p:spPr/>
-        <p:txBody>
-          <a:bodyPr/>
-          <a:lstStyle/>
-          <a:p>
-            <a:pPr>
-              <a:lnSpc>
-                <a:spcPct val="150000"/>
-              </a:lnSpc>
-            </a:pPr>
-            <a:r>
-              <a:rPr lang="en-US" dirty="0">
-                <a:latin typeface="Futura" panose="020B2102020204020303" pitchFamily="34" charset="0"/>
-              </a:rPr>
-              <a:t>Many of the world's largest and fastest-growing organizations including </a:t>
-            </a:r>
-            <a:r>
-              <a:rPr lang="en-US" u="sng" dirty="0">
-                <a:latin typeface="Futura" panose="020B2102020204020303" pitchFamily="34" charset="0"/>
-              </a:rPr>
-              <a:t>Facebook</a:t>
-            </a:r>
-            <a:r>
-              <a:rPr lang="en-US" dirty="0">
-                <a:latin typeface="Futura" panose="020B2102020204020303" pitchFamily="34" charset="0"/>
-              </a:rPr>
-              <a:t>, </a:t>
-            </a:r>
-            <a:r>
-              <a:rPr lang="en-US" u="sng" dirty="0">
-                <a:latin typeface="Futura" panose="020B2102020204020303" pitchFamily="34" charset="0"/>
-              </a:rPr>
-              <a:t>Google</a:t>
-            </a:r>
-            <a:r>
-              <a:rPr lang="en-US" dirty="0">
-                <a:latin typeface="Futura" panose="020B2102020204020303" pitchFamily="34" charset="0"/>
-              </a:rPr>
-              <a:t>, </a:t>
-            </a:r>
-            <a:r>
-              <a:rPr lang="en-US" u="sng" dirty="0">
-                <a:latin typeface="Futura" panose="020B2102020204020303" pitchFamily="34" charset="0"/>
-              </a:rPr>
-              <a:t>Adobe</a:t>
-            </a:r>
-            <a:r>
-              <a:rPr lang="en-US" dirty="0">
-                <a:latin typeface="Futura" panose="020B2102020204020303" pitchFamily="34" charset="0"/>
-              </a:rPr>
-              <a:t>, </a:t>
-            </a:r>
-            <a:r>
-              <a:rPr lang="en-US" u="sng" dirty="0">
-                <a:latin typeface="Futura" panose="020B2102020204020303" pitchFamily="34" charset="0"/>
-              </a:rPr>
-              <a:t>Alcatel Lucent</a:t>
-            </a:r>
-            <a:r>
-              <a:rPr lang="en-US" dirty="0">
-                <a:latin typeface="Futura" panose="020B2102020204020303" pitchFamily="34" charset="0"/>
-              </a:rPr>
-              <a:t> and Zappos rely on MySQL to save time and money powering their high-volume Web sites, business-critical systems and packaged software.</a:t>
-            </a:r>
-          </a:p>
-        </p:txBody>
-      </p:sp>
-      <p:pic>
-        <p:nvPicPr>
-          <p:cNvPr id="5" name="Picture 4" descr="A picture containing object&#10;&#10;Description generated with high confidence">
-            <a:extLst>
-              <a:ext uri="{FF2B5EF4-FFF2-40B4-BE49-F238E27FC236}">
-                <a16:creationId xmlns:a16="http://schemas.microsoft.com/office/drawing/2014/main" id="{26657877-DE81-4DF0-8938-A04443B72DB9}"/>
-              </a:ext>
-            </a:extLst>
-          </p:cNvPr>
-          <p:cNvPicPr>
-            <a:picLocks noChangeAspect="1"/>
-          </p:cNvPicPr>
-          <p:nvPr/>
-        </p:nvPicPr>
-        <p:blipFill>
-          <a:blip r:embed="rId2">
-            <a:extLst>
-              <a:ext uri="{28A0092B-C50C-407E-A947-70E740481C1C}">
-                <a14:useLocalDpi xmlns:a14="http://schemas.microsoft.com/office/drawing/2010/main" val="0"/>
-              </a:ext>
-            </a:extLst>
-          </a:blip>
-          <a:stretch>
-            <a:fillRect/>
-          </a:stretch>
-        </p:blipFill>
-        <p:spPr>
-          <a:xfrm>
-            <a:off x="6838950" y="365126"/>
-            <a:ext cx="1676400" cy="1133475"/>
-          </a:xfrm>
-          <a:prstGeom prst="rect">
-            <a:avLst/>
-          </a:prstGeom>
-        </p:spPr>
-      </p:pic>
-    </p:spTree>
-    <p:extLst>
-      <p:ext uri="{BB962C8B-B14F-4D97-AF65-F5344CB8AC3E}">
-        <p14:creationId xmlns:p14="http://schemas.microsoft.com/office/powerpoint/2010/main" val="673970031"/>
-      </p:ext>
-    </p:extLst>
-  </p:cSld>
-  <p:clrMapOvr>
-    <a:masterClrMapping/>
-  </p:clrMapOvr>
-</p:sld>
-</file>
-
-<file path=ppt/slides/slide5.xml><?xml version="1.0" encoding="utf-8"?>
-<p:sld xmlns:a="http://schemas.openxmlformats.org/drawingml/2006/main" xmlns:r="http://schemas.openxmlformats.org/officeDocument/2006/relationships" xmlns:p="http://schemas.openxmlformats.org/presentationml/2006/main">
-  <p:cSld>
-    <p:spTree>
-      <p:nvGrpSpPr>
-        <p:cNvPr id="1" name=""/>
-        <p:cNvGrpSpPr/>
-        <p:nvPr/>
-      </p:nvGrpSpPr>
-      <p:grpSpPr>
-        <a:xfrm>
-          <a:off x="0" y="0"/>
-          <a:ext cx="0" cy="0"/>
-          <a:chOff x="0" y="0"/>
-          <a:chExt cx="0" cy="0"/>
-        </a:xfrm>
-      </p:grpSpPr>
-      <p:sp>
-        <p:nvSpPr>
-          <p:cNvPr id="2" name="Title 1">
-            <a:extLst>
-              <a:ext uri="{FF2B5EF4-FFF2-40B4-BE49-F238E27FC236}">
-                <a16:creationId xmlns:a16="http://schemas.microsoft.com/office/drawing/2014/main" id="{E9174814-5AD1-4F7B-BBA5-B9288D593ADE}"/>
-              </a:ext>
-            </a:extLst>
-          </p:cNvPr>
-          <p:cNvSpPr>
-            <a:spLocks noGrp="1"/>
-          </p:cNvSpPr>
-          <p:nvPr>
-            <p:ph type="title"/>
-          </p:nvPr>
-        </p:nvSpPr>
-        <p:spPr/>
-        <p:txBody>
-          <a:bodyPr/>
-          <a:lstStyle/>
-          <a:p>
-            <a:r>
-              <a:rPr lang="en-US" dirty="0" err="1">
-                <a:latin typeface="Futura" panose="020B2102020204020303" pitchFamily="34" charset="0"/>
-              </a:rPr>
-              <a:t>phpMyAdmin</a:t>
-            </a:r>
-            <a:endParaRPr lang="en-US" dirty="0">
-              <a:latin typeface="Futura" panose="020B2102020204020303" pitchFamily="34" charset="0"/>
-            </a:endParaRPr>
-          </a:p>
-        </p:txBody>
-      </p:sp>
-      <p:sp>
-        <p:nvSpPr>
-          <p:cNvPr id="3" name="Content Placeholder 2">
-            <a:extLst>
-              <a:ext uri="{FF2B5EF4-FFF2-40B4-BE49-F238E27FC236}">
-                <a16:creationId xmlns:a16="http://schemas.microsoft.com/office/drawing/2014/main" id="{A6F82A52-9BA0-400F-B454-E6FE19C44B23}"/>
-              </a:ext>
-            </a:extLst>
-          </p:cNvPr>
-          <p:cNvSpPr>
-            <a:spLocks noGrp="1"/>
-          </p:cNvSpPr>
-          <p:nvPr>
-            <p:ph idx="1"/>
-          </p:nvPr>
-        </p:nvSpPr>
-        <p:spPr/>
-        <p:txBody>
-          <a:bodyPr>
-            <a:noAutofit/>
-          </a:bodyPr>
-          <a:lstStyle/>
-          <a:p>
-            <a:pPr>
-              <a:lnSpc>
-                <a:spcPct val="150000"/>
-              </a:lnSpc>
-            </a:pPr>
-            <a:r>
-              <a:rPr lang="en-US" sz="2400" dirty="0" err="1">
-                <a:latin typeface="Futura" panose="020B2102020204020303" pitchFamily="34" charset="0"/>
-              </a:rPr>
-              <a:t>phpMyAdmin</a:t>
-            </a:r>
-            <a:r>
-              <a:rPr lang="en-US" sz="2400" dirty="0">
-                <a:latin typeface="Futura" panose="020B2102020204020303" pitchFamily="34" charset="0"/>
-              </a:rPr>
-              <a:t> is a free software tool written in PHP, intended to handle the administration of MySQL over the Web. </a:t>
-            </a:r>
-            <a:r>
-              <a:rPr lang="en-US" sz="2400" dirty="0" err="1">
-                <a:latin typeface="Futura" panose="020B2102020204020303" pitchFamily="34" charset="0"/>
-              </a:rPr>
-              <a:t>phpMyAdmin</a:t>
-            </a:r>
-            <a:r>
-              <a:rPr lang="en-US" sz="2400" dirty="0">
-                <a:latin typeface="Futura" panose="020B2102020204020303" pitchFamily="34" charset="0"/>
-              </a:rPr>
-              <a:t> supports a wide range of operations on MySQL and MariaDB. Frequently used operations (managing databases, tables, columns, relations, indexes, users, permissions, </a:t>
-            </a:r>
-            <a:r>
-              <a:rPr lang="en-US" sz="2400" dirty="0" err="1">
-                <a:latin typeface="Futura" panose="020B2102020204020303" pitchFamily="34" charset="0"/>
-              </a:rPr>
-              <a:t>etc</a:t>
-            </a:r>
-            <a:r>
-              <a:rPr lang="en-US" sz="2400" dirty="0">
-                <a:latin typeface="Futura" panose="020B2102020204020303" pitchFamily="34" charset="0"/>
-              </a:rPr>
-              <a:t>) can be performed via the user interface, while you still have the ability to directly execute any SQL statement.</a:t>
-            </a:r>
-          </a:p>
-        </p:txBody>
-      </p:sp>
-      <p:pic>
-        <p:nvPicPr>
-          <p:cNvPr id="6" name="Picture 5" descr="A close up of a logo&#10;&#10;Description generated with very high confidence">
-            <a:extLst>
-              <a:ext uri="{FF2B5EF4-FFF2-40B4-BE49-F238E27FC236}">
-                <a16:creationId xmlns:a16="http://schemas.microsoft.com/office/drawing/2014/main" id="{933C1EEE-42A5-4190-9CA6-7A9E6D26FC66}"/>
-              </a:ext>
-            </a:extLst>
-          </p:cNvPr>
-          <p:cNvPicPr>
-            <a:picLocks noChangeAspect="1"/>
-          </p:cNvPicPr>
-          <p:nvPr/>
-        </p:nvPicPr>
-        <p:blipFill>
-          <a:blip r:embed="rId2">
-            <a:extLst>
-              <a:ext uri="{28A0092B-C50C-407E-A947-70E740481C1C}">
-                <a14:useLocalDpi xmlns:a14="http://schemas.microsoft.com/office/drawing/2010/main" val="0"/>
-              </a:ext>
-            </a:extLst>
-          </a:blip>
-          <a:stretch>
-            <a:fillRect/>
-          </a:stretch>
-        </p:blipFill>
-        <p:spPr>
-          <a:xfrm>
-            <a:off x="6101205" y="181929"/>
-            <a:ext cx="2873829" cy="1508760"/>
-          </a:xfrm>
-          <a:prstGeom prst="rect">
-            <a:avLst/>
-          </a:prstGeom>
-        </p:spPr>
-      </p:pic>
-    </p:spTree>
-    <p:extLst>
-      <p:ext uri="{BB962C8B-B14F-4D97-AF65-F5344CB8AC3E}">
-        <p14:creationId xmlns:p14="http://schemas.microsoft.com/office/powerpoint/2010/main" val="1818319326"/>
-      </p:ext>
-    </p:extLst>
-  </p:cSld>
-  <p:clrMapOvr>
-    <a:masterClrMapping/>
-  </p:clrMapOvr>
-</p:sld>
-</file>
-
-<file path=ppt/slides/slide6.xml><?xml version="1.0" encoding="utf-8"?>
-<p:sld xmlns:a="http://schemas.openxmlformats.org/drawingml/2006/main" xmlns:r="http://schemas.openxmlformats.org/officeDocument/2006/relationships" xmlns:p="http://schemas.openxmlformats.org/presentationml/2006/main">
-  <p:cSld>
-    <p:spTree>
-      <p:nvGrpSpPr>
-        <p:cNvPr id="1" name=""/>
-        <p:cNvGrpSpPr/>
-        <p:nvPr/>
-      </p:nvGrpSpPr>
-      <p:grpSpPr>
-        <a:xfrm>
-          <a:off x="0" y="0"/>
-          <a:ext cx="0" cy="0"/>
-          <a:chOff x="0" y="0"/>
-          <a:chExt cx="0" cy="0"/>
-        </a:xfrm>
-      </p:grpSpPr>
-      <p:sp>
-        <p:nvSpPr>
-          <p:cNvPr id="2" name="Title 1">
-            <a:extLst>
-              <a:ext uri="{FF2B5EF4-FFF2-40B4-BE49-F238E27FC236}">
-                <a16:creationId xmlns:a16="http://schemas.microsoft.com/office/drawing/2014/main" id="{E9174814-5AD1-4F7B-BBA5-B9288D593ADE}"/>
-              </a:ext>
-            </a:extLst>
-          </p:cNvPr>
-          <p:cNvSpPr>
-            <a:spLocks noGrp="1"/>
-          </p:cNvSpPr>
-          <p:nvPr>
-            <p:ph type="title"/>
-          </p:nvPr>
-        </p:nvSpPr>
-        <p:spPr/>
-        <p:txBody>
-          <a:bodyPr/>
-          <a:lstStyle/>
-          <a:p>
-            <a:r>
-              <a:rPr lang="en-US" dirty="0" err="1">
-                <a:latin typeface="Futura" panose="020B2102020204020303" pitchFamily="34" charset="0"/>
-              </a:rPr>
-              <a:t>phpMyAdmin</a:t>
-            </a:r>
-            <a:r>
-              <a:rPr lang="en-US" dirty="0">
-                <a:latin typeface="Futura" panose="020B2102020204020303" pitchFamily="34" charset="0"/>
-              </a:rPr>
-              <a:t> login</a:t>
-            </a:r>
-          </a:p>
-        </p:txBody>
-      </p:sp>
-      <p:sp>
-        <p:nvSpPr>
-          <p:cNvPr id="3" name="Content Placeholder 2">
-            <a:extLst>
-              <a:ext uri="{FF2B5EF4-FFF2-40B4-BE49-F238E27FC236}">
-                <a16:creationId xmlns:a16="http://schemas.microsoft.com/office/drawing/2014/main" id="{A6F82A52-9BA0-400F-B454-E6FE19C44B23}"/>
-              </a:ext>
-            </a:extLst>
-          </p:cNvPr>
-          <p:cNvSpPr>
-            <a:spLocks noGrp="1"/>
-          </p:cNvSpPr>
-          <p:nvPr>
-            <p:ph idx="1"/>
-          </p:nvPr>
-        </p:nvSpPr>
-        <p:spPr/>
-        <p:txBody>
-          <a:bodyPr>
-            <a:noAutofit/>
-          </a:bodyPr>
-          <a:lstStyle/>
-          <a:p>
-            <a:pPr>
-              <a:lnSpc>
-                <a:spcPct val="150000"/>
-              </a:lnSpc>
-            </a:pPr>
-            <a:r>
-              <a:rPr lang="en-US" sz="2400" dirty="0">
-                <a:latin typeface="Futura" panose="020B2102020204020303" pitchFamily="34" charset="0"/>
-              </a:rPr>
-              <a:t>http://localhost/phpmyadmin/</a:t>
-            </a:r>
-          </a:p>
-          <a:p>
-            <a:pPr>
-              <a:lnSpc>
-                <a:spcPct val="150000"/>
-              </a:lnSpc>
-            </a:pPr>
-            <a:r>
-              <a:rPr lang="en-US" sz="2400" dirty="0">
-                <a:latin typeface="Futura" panose="020B2102020204020303" pitchFamily="34" charset="0"/>
-              </a:rPr>
-              <a:t>User: root</a:t>
-            </a:r>
-          </a:p>
-          <a:p>
-            <a:pPr>
-              <a:lnSpc>
-                <a:spcPct val="150000"/>
-              </a:lnSpc>
-            </a:pPr>
-            <a:r>
-              <a:rPr lang="en-US" sz="2400" dirty="0">
-                <a:latin typeface="Futura" panose="020B2102020204020303" pitchFamily="34" charset="0"/>
-              </a:rPr>
-              <a:t>Pw: 12345678</a:t>
-            </a:r>
-          </a:p>
-          <a:p>
-            <a:pPr>
-              <a:lnSpc>
-                <a:spcPct val="150000"/>
-              </a:lnSpc>
-            </a:pPr>
-            <a:endParaRPr lang="en-US" sz="2400" dirty="0">
-              <a:latin typeface="Futura" panose="020B2102020204020303" pitchFamily="34" charset="0"/>
-            </a:endParaRPr>
-          </a:p>
-        </p:txBody>
-      </p:sp>
-      <p:pic>
-        <p:nvPicPr>
-          <p:cNvPr id="6" name="Picture 5" descr="A close up of a logo&#10;&#10;Description generated with very high confidence">
-            <a:extLst>
-              <a:ext uri="{FF2B5EF4-FFF2-40B4-BE49-F238E27FC236}">
-                <a16:creationId xmlns:a16="http://schemas.microsoft.com/office/drawing/2014/main" id="{933C1EEE-42A5-4190-9CA6-7A9E6D26FC66}"/>
-              </a:ext>
-            </a:extLst>
-          </p:cNvPr>
-          <p:cNvPicPr>
-            <a:picLocks noChangeAspect="1"/>
-          </p:cNvPicPr>
-          <p:nvPr/>
-        </p:nvPicPr>
-        <p:blipFill>
-          <a:blip r:embed="rId2">
-            <a:extLst>
-              <a:ext uri="{28A0092B-C50C-407E-A947-70E740481C1C}">
-                <a14:useLocalDpi xmlns:a14="http://schemas.microsoft.com/office/drawing/2010/main" val="0"/>
-              </a:ext>
-            </a:extLst>
-          </a:blip>
-          <a:stretch>
-            <a:fillRect/>
-          </a:stretch>
-        </p:blipFill>
-        <p:spPr>
-          <a:xfrm>
-            <a:off x="6101205" y="181929"/>
-            <a:ext cx="2873829" cy="1508760"/>
-          </a:xfrm>
-          <a:prstGeom prst="rect">
-            <a:avLst/>
-          </a:prstGeom>
-        </p:spPr>
-      </p:pic>
-      <p:pic>
-        <p:nvPicPr>
-          <p:cNvPr id="4" name="Picture 3">
-            <a:extLst>
-              <a:ext uri="{FF2B5EF4-FFF2-40B4-BE49-F238E27FC236}">
-                <a16:creationId xmlns:a16="http://schemas.microsoft.com/office/drawing/2014/main" id="{264FD809-70C3-440B-9F4C-46525BA2E7E3}"/>
-              </a:ext>
-            </a:extLst>
-          </p:cNvPr>
-          <p:cNvPicPr>
-            <a:picLocks noChangeAspect="1"/>
-          </p:cNvPicPr>
-          <p:nvPr/>
-        </p:nvPicPr>
-        <p:blipFill rotWithShape="1">
-          <a:blip r:embed="rId3"/>
-          <a:srcRect t="9496"/>
-          <a:stretch/>
-        </p:blipFill>
-        <p:spPr>
-          <a:xfrm>
-            <a:off x="3106057" y="2889784"/>
-            <a:ext cx="6037943" cy="3603090"/>
-          </a:xfrm>
-          <a:prstGeom prst="rect">
-            <a:avLst/>
-          </a:prstGeom>
-        </p:spPr>
-      </p:pic>
-    </p:spTree>
-    <p:extLst>
-      <p:ext uri="{BB962C8B-B14F-4D97-AF65-F5344CB8AC3E}">
-        <p14:creationId xmlns:p14="http://schemas.microsoft.com/office/powerpoint/2010/main" val="1541615998"/>
-      </p:ext>
-    </p:extLst>
-  </p:cSld>
-  <p:clrMapOvr>
-    <a:masterClrMapping/>
-  </p:clrMapOvr>
-</p:sld>
-</file>
-
-<file path=ppt/slides/slide7.xml><?xml version="1.0" encoding="utf-8"?>
 <p:sld xmlns:a="http://schemas.openxmlformats.org/drawingml/2006/main" xmlns:r="http://schemas.openxmlformats.org/officeDocument/2006/relationships" xmlns:p="http://schemas.openxmlformats.org/presentationml/2006/main">
   <p:cSld>
     <p:bg>
@@ -4212,150 +3237,11 @@
             <a:pPr algn="ctr"/>
             <a:r>
               <a:rPr lang="en-US" sz="3500" dirty="0"/>
-              <a:t>lesson05</a:t>
-            </a:r>
-          </a:p>
-        </p:txBody>
-      </p:sp>
-      <p:sp>
-        <p:nvSpPr>
-          <p:cNvPr id="3" name="Content Placeholder 2">
-            <a:extLst>
-              <a:ext uri="{FF2B5EF4-FFF2-40B4-BE49-F238E27FC236}">
-                <a16:creationId xmlns:a16="http://schemas.microsoft.com/office/drawing/2014/main" id="{DDF43F30-1DCF-4886-AE1F-6373FF92B3E1}"/>
-              </a:ext>
-            </a:extLst>
-          </p:cNvPr>
-          <p:cNvSpPr>
-            <a:spLocks noGrp="1"/>
-          </p:cNvSpPr>
-          <p:nvPr>
-            <p:ph idx="1"/>
-          </p:nvPr>
-        </p:nvSpPr>
-        <p:spPr>
-          <a:xfrm>
-            <a:off x="319678" y="2609441"/>
-            <a:ext cx="3926617" cy="3773010"/>
-          </a:xfrm>
-        </p:spPr>
-        <p:txBody>
-          <a:bodyPr>
-            <a:normAutofit/>
-          </a:bodyPr>
-          <a:lstStyle/>
-          <a:p>
-            <a:pPr marL="285744" indent="-285744"/>
-            <a:r>
-              <a:rPr lang="en-US" sz="1700" dirty="0">
-                <a:latin typeface="Tahoma" panose="020B0604030504040204" pitchFamily="34" charset="0"/>
-                <a:ea typeface="Tahoma" panose="020B0604030504040204" pitchFamily="34" charset="0"/>
-                <a:cs typeface="Tahoma" panose="020B0604030504040204" pitchFamily="34" charset="0"/>
-              </a:rPr>
-              <a:t>L1-6: HTML header</a:t>
-            </a:r>
-          </a:p>
-          <a:p>
-            <a:pPr marL="285744" indent="-285744"/>
-            <a:r>
-              <a:rPr lang="en-US" sz="1700" dirty="0">
-                <a:latin typeface="Tahoma" panose="020B0604030504040204" pitchFamily="34" charset="0"/>
-                <a:ea typeface="Tahoma" panose="020B0604030504040204" pitchFamily="34" charset="0"/>
-                <a:cs typeface="Tahoma" panose="020B0604030504040204" pitchFamily="34" charset="0"/>
-              </a:rPr>
-              <a:t>L8-30: form tag</a:t>
-            </a:r>
-            <a:endParaRPr lang="en-US" sz="1300" dirty="0">
-              <a:solidFill>
-                <a:srgbClr val="FF0000"/>
-              </a:solidFill>
-              <a:latin typeface="Tahoma" panose="020B0604030504040204" pitchFamily="34" charset="0"/>
-              <a:ea typeface="Tahoma" panose="020B0604030504040204" pitchFamily="34" charset="0"/>
-              <a:cs typeface="Tahoma" panose="020B0604030504040204" pitchFamily="34" charset="0"/>
-            </a:endParaRPr>
-          </a:p>
-          <a:p>
-            <a:pPr marL="285744" indent="-285744"/>
-            <a:r>
-              <a:rPr lang="en-US" sz="1700" dirty="0">
-                <a:latin typeface="Tahoma" panose="020B0604030504040204" pitchFamily="34" charset="0"/>
-                <a:ea typeface="Tahoma" panose="020B0604030504040204" pitchFamily="34" charset="0"/>
-                <a:cs typeface="Tahoma" panose="020B0604030504040204" pitchFamily="34" charset="0"/>
-              </a:rPr>
-              <a:t>L32-33: HTML footer</a:t>
-            </a:r>
-          </a:p>
-          <a:p>
-            <a:endParaRPr lang="en-US" sz="1700" dirty="0"/>
-          </a:p>
-        </p:txBody>
-      </p:sp>
-      <mc:AlternateContent xmlns:mc="http://schemas.openxmlformats.org/markup-compatibility/2006" xmlns:we="http://schemas.microsoft.com/office/webextensions/webextension/2010/11" xmlns:pca="http://schemas.microsoft.com/office/powerpoint/2013/contentapp">
-        <mc:Choice Requires="we pca">
-          <p:graphicFrame>
-            <p:nvGraphicFramePr>
-              <p:cNvPr id="7" name="Add-in 6" title="Code Presenter Pro">
-                <a:extLst>
-                  <a:ext uri="{FF2B5EF4-FFF2-40B4-BE49-F238E27FC236}">
-                    <a16:creationId xmlns:a16="http://schemas.microsoft.com/office/drawing/2014/main" id="{08B2A02E-54C7-48BA-8B6F-AF9CCA1E0E47}"/>
-                  </a:ext>
-                </a:extLst>
-              </p:cNvPr>
-              <p:cNvGraphicFramePr>
-                <a:graphicFrameLocks noGrp="1"/>
-              </p:cNvGraphicFramePr>
-              <p:nvPr>
-                <p:extLst>
-                  <p:ext uri="{D42A27DB-BD31-4B8C-83A1-F6EECF244321}">
-                    <p14:modId xmlns:p14="http://schemas.microsoft.com/office/powerpoint/2010/main" val="2499616923"/>
-                  </p:ext>
-                </p:extLst>
-              </p:nvPr>
-            </p:nvGraphicFramePr>
-            <p:xfrm>
-              <a:off x="4159582" y="394462"/>
-              <a:ext cx="5124461" cy="5715000"/>
-            </p:xfrm>
-            <a:graphic>
-              <a:graphicData uri="http://schemas.microsoft.com/office/webextensions/webextension/2010/11">
-                <we:webextensionref xmlns:we="http://schemas.microsoft.com/office/webextensions/webextension/2010/11" xmlns:r="http://schemas.openxmlformats.org/officeDocument/2006/relationships" r:id="rId2"/>
-              </a:graphicData>
-            </a:graphic>
-          </p:graphicFrame>
-        </mc:Choice>
-        <mc:Fallback xmlns="">
-          <p:pic>
-            <p:nvPicPr>
-              <p:cNvPr id="7" name="Add-in 6" title="Code Presenter Pro">
-                <a:extLst>
-                  <a:ext uri="{FF2B5EF4-FFF2-40B4-BE49-F238E27FC236}">
-                    <a16:creationId xmlns:a16="http://schemas.microsoft.com/office/drawing/2014/main" id="{08B2A02E-54C7-48BA-8B6F-AF9CCA1E0E47}"/>
-                  </a:ext>
-                </a:extLst>
-              </p:cNvPr>
-              <p:cNvPicPr>
-                <a:picLocks noGrp="1" noRot="1" noChangeAspect="1" noMove="1" noResize="1" noEditPoints="1" noAdjustHandles="1" noChangeArrowheads="1" noChangeShapeType="1"/>
-              </p:cNvPicPr>
-              <p:nvPr/>
-            </p:nvPicPr>
-            <p:blipFill>
-              <a:blip r:embed="rId3"/>
-              <a:stretch>
-                <a:fillRect/>
-              </a:stretch>
-            </p:blipFill>
-            <p:spPr>
-              <a:xfrm>
-                <a:off x="4159582" y="394462"/>
-                <a:ext cx="5124461" cy="5715000"/>
-              </a:xfrm>
-              <a:prstGeom prst="rect">
-                <a:avLst/>
-              </a:prstGeom>
-            </p:spPr>
-          </p:pic>
-        </mc:Fallback>
-      </mc:AlternateContent>
+              <a:t>lesson06</a:t>
+            </a:r>
+          </a:p>
+        </p:txBody>
+      </p:sp>
       <p:sp>
         <p:nvSpPr>
           <p:cNvPr id="6" name="Rectangle 5">
@@ -4371,7 +3257,7 @@
         <p:spPr>
           <a:xfrm>
             <a:off x="3810165" y="6400520"/>
-            <a:ext cx="5294976" cy="307777"/>
+            <a:ext cx="5466625" cy="307777"/>
           </a:xfrm>
           <a:prstGeom prst="rect">
             <a:avLst/>
@@ -4389,95 +3275,9 @@
                 <a:ea typeface="Tahoma" panose="020B0604030504040204" pitchFamily="34" charset="0"/>
                 <a:cs typeface="Tahoma" panose="020B0604030504040204" pitchFamily="34" charset="0"/>
               </a:rPr>
-              <a:t>folder: C:\appserv\php_lesson\    file name: lesson03_form.php</a:t>
+              <a:t>folder: C:\appserv\php_lesson\    file name: lesson04_table.php</a:t>
             </a:r>
             <a:endParaRPr lang="ja-JP" altLang="en-US" sz="1400" dirty="0">
-              <a:latin typeface="Tahoma" panose="020B0604030504040204" pitchFamily="34" charset="0"/>
-              <a:cs typeface="Tahoma" panose="020B0604030504040204" pitchFamily="34" charset="0"/>
-            </a:endParaRPr>
-          </a:p>
-        </p:txBody>
-      </p:sp>
-      <p:sp>
-        <p:nvSpPr>
-          <p:cNvPr id="11" name="Rectangle 10">
-            <a:extLst>
-              <a:ext uri="{FF2B5EF4-FFF2-40B4-BE49-F238E27FC236}">
-                <a16:creationId xmlns:a16="http://schemas.microsoft.com/office/drawing/2014/main" id="{9A099E03-7F5D-40B5-AF83-8B36D2DA594B}"/>
-              </a:ext>
-            </a:extLst>
-          </p:cNvPr>
-          <p:cNvSpPr/>
-          <p:nvPr/>
-        </p:nvSpPr>
-        <p:spPr>
-          <a:xfrm>
-            <a:off x="1629858" y="4072405"/>
-            <a:ext cx="848309" cy="369332"/>
-          </a:xfrm>
-          <a:prstGeom prst="rect">
-            <a:avLst/>
-          </a:prstGeom>
-        </p:spPr>
-        <p:txBody>
-          <a:bodyPr wrap="none">
-            <a:spAutoFit/>
-          </a:bodyPr>
-          <a:lstStyle/>
-          <a:p>
-            <a:pPr algn="ctr"/>
-            <a:r>
-              <a:rPr lang="en-US" altLang="ja-JP" dirty="0">
-                <a:latin typeface="Tahoma" panose="020B0604030504040204" pitchFamily="34" charset="0"/>
-                <a:ea typeface="Tahoma" panose="020B0604030504040204" pitchFamily="34" charset="0"/>
-                <a:cs typeface="Tahoma" panose="020B0604030504040204" pitchFamily="34" charset="0"/>
-              </a:rPr>
-              <a:t>output</a:t>
-            </a:r>
-            <a:endParaRPr lang="ja-JP" altLang="en-US" dirty="0">
-              <a:latin typeface="Tahoma" panose="020B0604030504040204" pitchFamily="34" charset="0"/>
-              <a:cs typeface="Tahoma" panose="020B0604030504040204" pitchFamily="34" charset="0"/>
-            </a:endParaRPr>
-          </a:p>
-        </p:txBody>
-      </p:sp>
-      <p:sp>
-        <p:nvSpPr>
-          <p:cNvPr id="12" name="Rectangle 11">
-            <a:extLst>
-              <a:ext uri="{FF2B5EF4-FFF2-40B4-BE49-F238E27FC236}">
-                <a16:creationId xmlns:a16="http://schemas.microsoft.com/office/drawing/2014/main" id="{C77AA99F-01CF-4155-B9C5-78FDAE28F61E}"/>
-              </a:ext>
-            </a:extLst>
-          </p:cNvPr>
-          <p:cNvSpPr/>
-          <p:nvPr/>
-        </p:nvSpPr>
-        <p:spPr>
-          <a:xfrm>
-            <a:off x="1375784" y="2212184"/>
-            <a:ext cx="1356462" cy="369332"/>
-          </a:xfrm>
-          <a:prstGeom prst="rect">
-            <a:avLst/>
-          </a:prstGeom>
-        </p:spPr>
-        <p:txBody>
-          <a:bodyPr wrap="none">
-            <a:spAutoFit/>
-          </a:bodyPr>
-          <a:lstStyle/>
-          <a:p>
-            <a:pPr algn="ctr"/>
-            <a:r>
-              <a:rPr lang="en-US" altLang="ja-JP" dirty="0">
-                <a:latin typeface="Tahoma" panose="020B0604030504040204" pitchFamily="34" charset="0"/>
-                <a:ea typeface="Tahoma" panose="020B0604030504040204" pitchFamily="34" charset="0"/>
-                <a:cs typeface="Tahoma" panose="020B0604030504040204" pitchFamily="34" charset="0"/>
-              </a:rPr>
-              <a:t>explanation</a:t>
-            </a:r>
-            <a:endParaRPr lang="ja-JP" altLang="en-US" dirty="0">
               <a:latin typeface="Tahoma" panose="020B0604030504040204" pitchFamily="34" charset="0"/>
               <a:cs typeface="Tahoma" panose="020B0604030504040204" pitchFamily="34" charset="0"/>
             </a:endParaRPr>
@@ -4499,13 +3299,13 @@
           <p:nvPr/>
         </p:nvPicPr>
         <p:blipFill>
-          <a:blip r:embed="rId4">
+          <a:blip r:embed="rId2">
             <a:extLst>
               <a:ext uri="{28A0092B-C50C-407E-A947-70E740481C1C}">
                 <a14:useLocalDpi xmlns:a14="http://schemas.microsoft.com/office/drawing/2010/main" val="0"/>
               </a:ext>
               <a:ext uri="{96DAC541-7B7A-43D3-8B79-37D633B846F1}">
-                <asvg:svgBlip xmlns:asvg="http://schemas.microsoft.com/office/drawing/2016/SVG/main" r:embed="rId5"/>
+                <asvg:svgBlip xmlns:asvg="http://schemas.microsoft.com/office/drawing/2016/SVG/main" r:embed="rId3"/>
               </a:ext>
             </a:extLst>
           </a:blip>
@@ -4539,8 +3339,8 @@
         </p:nvSpPr>
         <p:spPr>
           <a:xfrm>
-            <a:off x="-49695" y="944302"/>
-            <a:ext cx="4246295" cy="3785419"/>
+            <a:off x="314369" y="944302"/>
+            <a:ext cx="3479292" cy="3785419"/>
           </a:xfrm>
           <a:prstGeom prst="rect">
             <a:avLst/>
@@ -4720,12 +3520,12 @@
               <a:buAutoNum type="arabicPeriod"/>
             </a:pPr>
             <a:r>
-              <a:rPr lang="en-US" altLang="ja-JP" sz="1400" dirty="0">
-                <a:latin typeface="Tahoma" panose="020B0604030504040204" pitchFamily="34" charset="0"/>
-                <a:ea typeface="Tahoma" panose="020B0604030504040204" pitchFamily="34" charset="0"/>
-                <a:cs typeface="Tahoma" panose="020B0604030504040204" pitchFamily="34" charset="0"/>
-              </a:rPr>
-              <a:t>download "lesson05_form.php"</a:t>
+              <a:rPr lang="en-US" altLang="ja-JP" sz="1700" dirty="0">
+                <a:latin typeface="Tahoma" panose="020B0604030504040204" pitchFamily="34" charset="0"/>
+                <a:ea typeface="Tahoma" panose="020B0604030504040204" pitchFamily="34" charset="0"/>
+                <a:cs typeface="Tahoma" panose="020B0604030504040204" pitchFamily="34" charset="0"/>
+              </a:rPr>
+              <a:t>use phpMyAdmin.</a:t>
             </a:r>
           </a:p>
           <a:p>
@@ -4734,12 +3534,12 @@
               <a:buAutoNum type="arabicPeriod"/>
             </a:pPr>
             <a:r>
-              <a:rPr lang="en-US" altLang="ja-JP" sz="1400" dirty="0">
-                <a:latin typeface="Tahoma" panose="020B0604030504040204" pitchFamily="34" charset="0"/>
-                <a:ea typeface="Tahoma" panose="020B0604030504040204" pitchFamily="34" charset="0"/>
-                <a:cs typeface="Tahoma" panose="020B0604030504040204" pitchFamily="34" charset="0"/>
-              </a:rPr>
-              <a:t>write this program.</a:t>
+              <a:rPr lang="en-US" altLang="ja-JP" sz="1700" dirty="0">
+                <a:latin typeface="Tahoma" panose="020B0604030504040204" pitchFamily="34" charset="0"/>
+                <a:ea typeface="Tahoma" panose="020B0604030504040204" pitchFamily="34" charset="0"/>
+                <a:cs typeface="Tahoma" panose="020B0604030504040204" pitchFamily="34" charset="0"/>
+              </a:rPr>
+              <a:t>create database(test).</a:t>
             </a:r>
           </a:p>
           <a:p>
@@ -4748,54 +3548,403 @@
               <a:buAutoNum type="arabicPeriod"/>
             </a:pPr>
             <a:r>
-              <a:rPr lang="en-US" altLang="ja-JP" sz="1400" dirty="0">
-                <a:latin typeface="Tahoma" panose="020B0604030504040204" pitchFamily="34" charset="0"/>
-                <a:ea typeface="Tahoma" panose="020B0604030504040204" pitchFamily="34" charset="0"/>
-                <a:cs typeface="Tahoma" panose="020B0604030504040204" pitchFamily="34" charset="0"/>
-              </a:rPr>
-              <a:t>http://localhost/php_lesson/lesson05_form.php </a:t>
-            </a:r>
-          </a:p>
-        </p:txBody>
-      </p:sp>
-      <p:pic>
-        <p:nvPicPr>
-          <p:cNvPr id="5" name="Picture 4">
+              <a:rPr lang="en-US" altLang="ja-JP" sz="1700" dirty="0">
+                <a:latin typeface="Tahoma" panose="020B0604030504040204" pitchFamily="34" charset="0"/>
+                <a:ea typeface="Tahoma" panose="020B0604030504040204" pitchFamily="34" charset="0"/>
+                <a:cs typeface="Tahoma" panose="020B0604030504040204" pitchFamily="34" charset="0"/>
+              </a:rPr>
+              <a:t>create table(lesson06).</a:t>
+            </a:r>
+          </a:p>
+          <a:p>
+            <a:pPr marL="800091" lvl="1" indent="-342891">
+              <a:buFont typeface="+mj-lt"/>
+              <a:buAutoNum type="arabicPeriod"/>
+            </a:pPr>
+            <a:r>
+              <a:rPr lang="en-US" altLang="ja-JP" sz="1300" dirty="0">
+                <a:latin typeface="Tahoma" panose="020B0604030504040204" pitchFamily="34" charset="0"/>
+                <a:ea typeface="Tahoma" panose="020B0604030504040204" pitchFamily="34" charset="0"/>
+                <a:cs typeface="Tahoma" panose="020B0604030504040204" pitchFamily="34" charset="0"/>
+              </a:rPr>
+              <a:t>no(</a:t>
+            </a:r>
+            <a:r>
+              <a:rPr lang="en-US" altLang="ja-JP" sz="1300" dirty="0" err="1">
+                <a:latin typeface="Tahoma" panose="020B0604030504040204" pitchFamily="34" charset="0"/>
+                <a:ea typeface="Tahoma" panose="020B0604030504040204" pitchFamily="34" charset="0"/>
+                <a:cs typeface="Tahoma" panose="020B0604030504040204" pitchFamily="34" charset="0"/>
+              </a:rPr>
+              <a:t>int</a:t>
+            </a:r>
+            <a:r>
+              <a:rPr lang="en-US" altLang="ja-JP" sz="1300" dirty="0">
+                <a:latin typeface="Tahoma" panose="020B0604030504040204" pitchFamily="34" charset="0"/>
+                <a:ea typeface="Tahoma" panose="020B0604030504040204" pitchFamily="34" charset="0"/>
+                <a:cs typeface="Tahoma" panose="020B0604030504040204" pitchFamily="34" charset="0"/>
+              </a:rPr>
+              <a:t> , index-&gt;primary)</a:t>
+            </a:r>
+          </a:p>
+          <a:p>
+            <a:pPr marL="800091" lvl="1" indent="-342891">
+              <a:buFont typeface="+mj-lt"/>
+              <a:buAutoNum type="arabicPeriod"/>
+            </a:pPr>
+            <a:r>
+              <a:rPr lang="en-US" altLang="ja-JP" sz="1300" dirty="0">
+                <a:latin typeface="Tahoma" panose="020B0604030504040204" pitchFamily="34" charset="0"/>
+                <a:ea typeface="Tahoma" panose="020B0604030504040204" pitchFamily="34" charset="0"/>
+                <a:cs typeface="Tahoma" panose="020B0604030504040204" pitchFamily="34" charset="0"/>
+              </a:rPr>
+              <a:t>name(varchar(255))</a:t>
+            </a:r>
+          </a:p>
+          <a:p>
+            <a:pPr marL="800091" lvl="1" indent="-342891">
+              <a:buFont typeface="+mj-lt"/>
+              <a:buAutoNum type="arabicPeriod"/>
+            </a:pPr>
+            <a:endParaRPr lang="en-US" altLang="ja-JP" sz="1300" dirty="0">
+              <a:latin typeface="Tahoma" panose="020B0604030504040204" pitchFamily="34" charset="0"/>
+              <a:ea typeface="Tahoma" panose="020B0604030504040204" pitchFamily="34" charset="0"/>
+              <a:cs typeface="Tahoma" panose="020B0604030504040204" pitchFamily="34" charset="0"/>
+            </a:endParaRPr>
+          </a:p>
+          <a:p>
+            <a:pPr marL="800091" lvl="1" indent="-342891">
+              <a:buFont typeface="+mj-lt"/>
+              <a:buAutoNum type="arabicPeriod"/>
+            </a:pPr>
+            <a:endParaRPr lang="en-US" altLang="ja-JP" sz="1300" dirty="0">
+              <a:latin typeface="Tahoma" panose="020B0604030504040204" pitchFamily="34" charset="0"/>
+              <a:ea typeface="Tahoma" panose="020B0604030504040204" pitchFamily="34" charset="0"/>
+              <a:cs typeface="Tahoma" panose="020B0604030504040204" pitchFamily="34" charset="0"/>
+            </a:endParaRPr>
+          </a:p>
+          <a:p>
+            <a:pPr marL="342891" indent="-342891">
+              <a:buFont typeface="+mj-lt"/>
+              <a:buAutoNum type="arabicPeriod"/>
+            </a:pPr>
+            <a:r>
+              <a:rPr lang="en-US" altLang="ja-JP" sz="1700" dirty="0">
+                <a:latin typeface="Tahoma" panose="020B0604030504040204" pitchFamily="34" charset="0"/>
+                <a:ea typeface="Tahoma" panose="020B0604030504040204" pitchFamily="34" charset="0"/>
+                <a:cs typeface="Tahoma" panose="020B0604030504040204" pitchFamily="34" charset="0"/>
+              </a:rPr>
+              <a:t>insert data.</a:t>
+            </a:r>
+          </a:p>
+        </p:txBody>
+      </p:sp>
+      <p:graphicFrame>
+        <p:nvGraphicFramePr>
+          <p:cNvPr id="7" name="Table 6">
             <a:extLst>
               <a:ext uri="{FF2B5EF4-FFF2-40B4-BE49-F238E27FC236}">
-                <a16:creationId xmlns:a16="http://schemas.microsoft.com/office/drawing/2014/main" id="{E4AE1241-3D1F-4BC6-8F10-04A977564340}"/>
+                <a16:creationId xmlns:a16="http://schemas.microsoft.com/office/drawing/2014/main" id="{1693C75F-89AE-46B6-98A2-5FE740639261}"/>
               </a:ext>
             </a:extLst>
           </p:cNvPr>
-          <p:cNvPicPr>
-            <a:picLocks noChangeAspect="1"/>
-          </p:cNvPicPr>
-          <p:nvPr/>
-        </p:nvPicPr>
-        <p:blipFill rotWithShape="1">
-          <a:blip r:embed="rId6"/>
-          <a:srcRect t="13426" b="5981"/>
-          <a:stretch/>
-        </p:blipFill>
-        <p:spPr>
-          <a:xfrm>
-            <a:off x="278740" y="4495946"/>
-            <a:ext cx="3550547" cy="2310046"/>
-          </a:xfrm>
-          <a:prstGeom prst="rect">
-            <a:avLst/>
-          </a:prstGeom>
-          <a:ln>
-            <a:solidFill>
-              <a:schemeClr val="accent1"/>
-            </a:solidFill>
-          </a:ln>
-        </p:spPr>
-      </p:pic>
+          <p:cNvGraphicFramePr>
+            <a:graphicFrameLocks noGrp="1"/>
+          </p:cNvGraphicFramePr>
+          <p:nvPr>
+            <p:extLst>
+              <p:ext uri="{D42A27DB-BD31-4B8C-83A1-F6EECF244321}">
+                <p14:modId xmlns:p14="http://schemas.microsoft.com/office/powerpoint/2010/main" val="3503616943"/>
+              </p:ext>
+            </p:extLst>
+          </p:nvPr>
+        </p:nvGraphicFramePr>
+        <p:xfrm>
+          <a:off x="4746169" y="513806"/>
+          <a:ext cx="4014654" cy="5529944"/>
+        </p:xfrm>
+        <a:graphic>
+          <a:graphicData uri="http://schemas.openxmlformats.org/drawingml/2006/table">
+            <a:tbl>
+              <a:tblPr firstRow="1" bandRow="1">
+                <a:tableStyleId>{5C22544A-7EE6-4342-B048-85BDC9FD1C3A}</a:tableStyleId>
+              </a:tblPr>
+              <a:tblGrid>
+                <a:gridCol w="2007327">
+                  <a:extLst>
+                    <a:ext uri="{9D8B030D-6E8A-4147-A177-3AD203B41FA5}">
+                      <a16:colId xmlns:a16="http://schemas.microsoft.com/office/drawing/2014/main" val="732526065"/>
+                    </a:ext>
+                  </a:extLst>
+                </a:gridCol>
+                <a:gridCol w="2007327">
+                  <a:extLst>
+                    <a:ext uri="{9D8B030D-6E8A-4147-A177-3AD203B41FA5}">
+                      <a16:colId xmlns:a16="http://schemas.microsoft.com/office/drawing/2014/main" val="2299647955"/>
+                    </a:ext>
+                  </a:extLst>
+                </a:gridCol>
+              </a:tblGrid>
+              <a:tr h="789992">
+                <a:tc>
+                  <a:txBody>
+                    <a:bodyPr/>
+                    <a:lstStyle/>
+                    <a:p>
+                      <a:r>
+                        <a:rPr lang="en-US" dirty="0"/>
+                        <a:t>no</a:t>
+                      </a:r>
+                    </a:p>
+                    <a:p>
+                      <a:r>
+                        <a:rPr lang="en-US" dirty="0"/>
+                        <a:t>(</a:t>
+                      </a:r>
+                      <a:r>
+                        <a:rPr lang="en-US" dirty="0" err="1"/>
+                        <a:t>int</a:t>
+                      </a:r>
+                      <a:r>
+                        <a:rPr lang="en-US" dirty="0"/>
+                        <a:t>)</a:t>
+                      </a:r>
+                    </a:p>
+                  </a:txBody>
+                  <a:tcPr anchor="ctr"/>
+                </a:tc>
+                <a:tc>
+                  <a:txBody>
+                    <a:bodyPr/>
+                    <a:lstStyle/>
+                    <a:p>
+                      <a:r>
+                        <a:rPr lang="en-US" dirty="0"/>
+                        <a:t>name</a:t>
+                      </a:r>
+                    </a:p>
+                    <a:p>
+                      <a:r>
+                        <a:rPr lang="en-US" dirty="0"/>
+                        <a:t>(varchar)</a:t>
+                      </a:r>
+                    </a:p>
+                  </a:txBody>
+                  <a:tcPr anchor="ctr"/>
+                </a:tc>
+                <a:extLst>
+                  <a:ext uri="{0D108BD9-81ED-4DB2-BD59-A6C34878D82A}">
+                    <a16:rowId xmlns:a16="http://schemas.microsoft.com/office/drawing/2014/main" val="2043987479"/>
+                  </a:ext>
+                </a:extLst>
+              </a:tr>
+              <a:tr h="789992">
+                <a:tc>
+                  <a:txBody>
+                    <a:bodyPr/>
+                    <a:lstStyle/>
+                    <a:p>
+                      <a:r>
+                        <a:rPr lang="en-US" dirty="0"/>
+                        <a:t>1</a:t>
+                      </a:r>
+                    </a:p>
+                  </a:txBody>
+                  <a:tcPr anchor="ctr"/>
+                </a:tc>
+                <a:tc>
+                  <a:txBody>
+                    <a:bodyPr/>
+                    <a:lstStyle/>
+                    <a:p>
+                      <a:r>
+                        <a:rPr lang="en-US" dirty="0" err="1"/>
+                        <a:t>keusuke</a:t>
+                      </a:r>
+                      <a:endParaRPr lang="en-US" dirty="0"/>
+                    </a:p>
+                  </a:txBody>
+                  <a:tcPr anchor="ctr"/>
+                </a:tc>
+                <a:extLst>
+                  <a:ext uri="{0D108BD9-81ED-4DB2-BD59-A6C34878D82A}">
+                    <a16:rowId xmlns:a16="http://schemas.microsoft.com/office/drawing/2014/main" val="474703798"/>
+                  </a:ext>
+                </a:extLst>
+              </a:tr>
+              <a:tr h="789992">
+                <a:tc>
+                  <a:txBody>
+                    <a:bodyPr/>
+                    <a:lstStyle/>
+                    <a:p>
+                      <a:r>
+                        <a:rPr lang="en-US" dirty="0"/>
+                        <a:t>2</a:t>
+                      </a:r>
+                    </a:p>
+                  </a:txBody>
+                  <a:tcPr anchor="ctr"/>
+                </a:tc>
+                <a:tc>
+                  <a:txBody>
+                    <a:bodyPr/>
+                    <a:lstStyle/>
+                    <a:p>
+                      <a:r>
+                        <a:rPr lang="en-US" dirty="0"/>
+                        <a:t>Minami</a:t>
+                      </a:r>
+                    </a:p>
+                  </a:txBody>
+                  <a:tcPr anchor="ctr"/>
+                </a:tc>
+                <a:extLst>
+                  <a:ext uri="{0D108BD9-81ED-4DB2-BD59-A6C34878D82A}">
+                    <a16:rowId xmlns:a16="http://schemas.microsoft.com/office/drawing/2014/main" val="3007078359"/>
+                  </a:ext>
+                </a:extLst>
+              </a:tr>
+              <a:tr h="789992">
+                <a:tc>
+                  <a:txBody>
+                    <a:bodyPr/>
+                    <a:lstStyle/>
+                    <a:p>
+                      <a:r>
+                        <a:rPr lang="en-US" dirty="0"/>
+                        <a:t>3</a:t>
+                      </a:r>
+                    </a:p>
+                  </a:txBody>
+                  <a:tcPr anchor="ctr"/>
+                </a:tc>
+                <a:tc>
+                  <a:txBody>
+                    <a:bodyPr/>
+                    <a:lstStyle/>
+                    <a:p>
+                      <a:r>
+                        <a:rPr lang="en-US" dirty="0" err="1"/>
+                        <a:t>mingkwan</a:t>
+                      </a:r>
+                      <a:endParaRPr lang="en-US" dirty="0"/>
+                    </a:p>
+                  </a:txBody>
+                  <a:tcPr anchor="ctr"/>
+                </a:tc>
+                <a:extLst>
+                  <a:ext uri="{0D108BD9-81ED-4DB2-BD59-A6C34878D82A}">
+                    <a16:rowId xmlns:a16="http://schemas.microsoft.com/office/drawing/2014/main" val="866023762"/>
+                  </a:ext>
+                </a:extLst>
+              </a:tr>
+              <a:tr h="789992">
+                <a:tc>
+                  <a:txBody>
+                    <a:bodyPr/>
+                    <a:lstStyle/>
+                    <a:p>
+                      <a:r>
+                        <a:rPr lang="en-US" dirty="0"/>
+                        <a:t>4</a:t>
+                      </a:r>
+                    </a:p>
+                  </a:txBody>
+                  <a:tcPr anchor="ctr"/>
+                </a:tc>
+                <a:tc>
+                  <a:txBody>
+                    <a:bodyPr/>
+                    <a:lstStyle/>
+                    <a:p>
+                      <a:r>
+                        <a:rPr lang="en-US" dirty="0"/>
+                        <a:t>test</a:t>
+                      </a:r>
+                    </a:p>
+                  </a:txBody>
+                  <a:tcPr anchor="ctr"/>
+                </a:tc>
+                <a:extLst>
+                  <a:ext uri="{0D108BD9-81ED-4DB2-BD59-A6C34878D82A}">
+                    <a16:rowId xmlns:a16="http://schemas.microsoft.com/office/drawing/2014/main" val="1493438953"/>
+                  </a:ext>
+                </a:extLst>
+              </a:tr>
+              <a:tr h="789992">
+                <a:tc>
+                  <a:txBody>
+                    <a:bodyPr/>
+                    <a:lstStyle/>
+                    <a:p>
+                      <a:r>
+                        <a:rPr lang="en-US" dirty="0"/>
+                        <a:t>5</a:t>
+                      </a:r>
+                    </a:p>
+                  </a:txBody>
+                  <a:tcPr anchor="ctr"/>
+                </a:tc>
+                <a:tc>
+                  <a:txBody>
+                    <a:bodyPr/>
+                    <a:lstStyle/>
+                    <a:p>
+                      <a:r>
+                        <a:rPr lang="en-US" dirty="0"/>
+                        <a:t>test2</a:t>
+                      </a:r>
+                    </a:p>
+                  </a:txBody>
+                  <a:tcPr anchor="ctr"/>
+                </a:tc>
+                <a:extLst>
+                  <a:ext uri="{0D108BD9-81ED-4DB2-BD59-A6C34878D82A}">
+                    <a16:rowId xmlns:a16="http://schemas.microsoft.com/office/drawing/2014/main" val="3602531317"/>
+                  </a:ext>
+                </a:extLst>
+              </a:tr>
+              <a:tr h="789992">
+                <a:tc>
+                  <a:txBody>
+                    <a:bodyPr/>
+                    <a:lstStyle/>
+                    <a:p>
+                      <a:r>
+                        <a:rPr lang="en-US" dirty="0"/>
+                        <a:t>6</a:t>
+                      </a:r>
+                    </a:p>
+                  </a:txBody>
+                  <a:tcPr anchor="ctr"/>
+                </a:tc>
+                <a:tc>
+                  <a:txBody>
+                    <a:bodyPr/>
+                    <a:lstStyle/>
+                    <a:p>
+                      <a:r>
+                        <a:rPr lang="en-US" dirty="0"/>
+                        <a:t>test3</a:t>
+                      </a:r>
+                    </a:p>
+                  </a:txBody>
+                  <a:tcPr anchor="ctr"/>
+                </a:tc>
+                <a:extLst>
+                  <a:ext uri="{0D108BD9-81ED-4DB2-BD59-A6C34878D82A}">
+                    <a16:rowId xmlns:a16="http://schemas.microsoft.com/office/drawing/2014/main" val="2832656528"/>
+                  </a:ext>
+                </a:extLst>
+              </a:tr>
+            </a:tbl>
+          </a:graphicData>
+        </a:graphic>
+      </p:graphicFrame>
     </p:spTree>
     <p:extLst>
       <p:ext uri="{BB962C8B-B14F-4D97-AF65-F5344CB8AC3E}">
-        <p14:creationId xmlns:p14="http://schemas.microsoft.com/office/powerpoint/2010/main" val="2942690972"/>
+        <p14:creationId xmlns:p14="http://schemas.microsoft.com/office/powerpoint/2010/main" val="3131121439"/>
       </p:ext>
     </p:extLst>
   </p:cSld>
@@ -4805,7 +3954,7 @@
 </p:sld>
 </file>
 
-<file path=ppt/slides/slide8.xml><?xml version="1.0" encoding="utf-8"?>
+<file path=ppt/slides/slide3.xml><?xml version="1.0" encoding="utf-8"?>
 <p:sld xmlns:a="http://schemas.openxmlformats.org/drawingml/2006/main" xmlns:r="http://schemas.openxmlformats.org/officeDocument/2006/relationships" xmlns:p="http://schemas.openxmlformats.org/presentationml/2006/main">
   <p:cSld>
     <p:bg>
@@ -4927,164 +4076,11 @@
             <a:pPr algn="ctr"/>
             <a:r>
               <a:rPr lang="en-US" sz="3500" dirty="0"/>
-              <a:t>lesson05</a:t>
-            </a:r>
-          </a:p>
-        </p:txBody>
-      </p:sp>
-      <p:sp>
-        <p:nvSpPr>
-          <p:cNvPr id="3" name="Content Placeholder 2">
-            <a:extLst>
-              <a:ext uri="{FF2B5EF4-FFF2-40B4-BE49-F238E27FC236}">
-                <a16:creationId xmlns:a16="http://schemas.microsoft.com/office/drawing/2014/main" id="{DDF43F30-1DCF-4886-AE1F-6373FF92B3E1}"/>
-              </a:ext>
-            </a:extLst>
-          </p:cNvPr>
-          <p:cNvSpPr>
-            <a:spLocks noGrp="1"/>
-          </p:cNvSpPr>
-          <p:nvPr>
-            <p:ph idx="1"/>
-          </p:nvPr>
-        </p:nvSpPr>
-        <p:spPr>
-          <a:xfrm>
-            <a:off x="319678" y="2609441"/>
-            <a:ext cx="3926617" cy="3773010"/>
-          </a:xfrm>
-        </p:spPr>
-        <p:txBody>
-          <a:bodyPr>
-            <a:normAutofit/>
-          </a:bodyPr>
-          <a:lstStyle/>
-          <a:p>
-            <a:pPr marL="285744" indent="-285744"/>
-            <a:r>
-              <a:rPr lang="en-US" sz="1700" dirty="0">
-                <a:latin typeface="Tahoma" panose="020B0604030504040204" pitchFamily="34" charset="0"/>
-                <a:ea typeface="Tahoma" panose="020B0604030504040204" pitchFamily="34" charset="0"/>
-                <a:cs typeface="Tahoma" panose="020B0604030504040204" pitchFamily="34" charset="0"/>
-              </a:rPr>
-              <a:t>L1-6: HTML header</a:t>
-            </a:r>
-          </a:p>
-          <a:p>
-            <a:pPr marL="285744" indent="-285744"/>
-            <a:r>
-              <a:rPr lang="en-US" sz="1700" dirty="0">
-                <a:latin typeface="Tahoma" panose="020B0604030504040204" pitchFamily="34" charset="0"/>
-                <a:ea typeface="Tahoma" panose="020B0604030504040204" pitchFamily="34" charset="0"/>
-                <a:cs typeface="Tahoma" panose="020B0604030504040204" pitchFamily="34" charset="0"/>
-              </a:rPr>
-              <a:t>L8-16: PHP program code</a:t>
-            </a:r>
-          </a:p>
-          <a:p>
-            <a:pPr marL="285744" indent="-285744"/>
-            <a:r>
-              <a:rPr lang="en-US" sz="1700">
-                <a:latin typeface="Tahoma" panose="020B0604030504040204" pitchFamily="34" charset="0"/>
-                <a:ea typeface="Tahoma" panose="020B0604030504040204" pitchFamily="34" charset="0"/>
-                <a:cs typeface="Tahoma" panose="020B0604030504040204" pitchFamily="34" charset="0"/>
-              </a:rPr>
-              <a:t>L17-22</a:t>
-            </a:r>
-            <a:r>
-              <a:rPr lang="en-US" sz="1700" dirty="0">
-                <a:latin typeface="Tahoma" panose="020B0604030504040204" pitchFamily="34" charset="0"/>
-                <a:ea typeface="Tahoma" panose="020B0604030504040204" pitchFamily="34" charset="0"/>
-                <a:cs typeface="Tahoma" panose="020B0604030504040204" pitchFamily="34" charset="0"/>
-              </a:rPr>
-              <a:t>: show variables</a:t>
-            </a:r>
-          </a:p>
-          <a:p>
-            <a:pPr marL="285744" indent="-285744"/>
-            <a:r>
-              <a:rPr lang="en-US" sz="1700" dirty="0">
-                <a:latin typeface="Tahoma" panose="020B0604030504040204" pitchFamily="34" charset="0"/>
-                <a:ea typeface="Tahoma" panose="020B0604030504040204" pitchFamily="34" charset="0"/>
-                <a:cs typeface="Tahoma" panose="020B0604030504040204" pitchFamily="34" charset="0"/>
-              </a:rPr>
-              <a:t>L24-25: HTML footer</a:t>
-            </a:r>
-          </a:p>
-          <a:p>
-            <a:endParaRPr lang="en-US" sz="1700" dirty="0"/>
-          </a:p>
-          <a:p>
-            <a:endParaRPr lang="en-US" sz="1700" dirty="0"/>
-          </a:p>
-        </p:txBody>
-      </p:sp>
-      <mc:AlternateContent xmlns:mc="http://schemas.openxmlformats.org/markup-compatibility/2006" xmlns:we="http://schemas.microsoft.com/office/webextensions/webextension/2010/11" xmlns:pca="http://schemas.microsoft.com/office/powerpoint/2013/contentapp">
-        <mc:Choice Requires="we pca">
-          <p:graphicFrame>
-            <p:nvGraphicFramePr>
-              <p:cNvPr id="7" name="Add-in 6" title="Code Presenter Pro">
-                <a:extLst>
-                  <a:ext uri="{FF2B5EF4-FFF2-40B4-BE49-F238E27FC236}">
-                    <a16:creationId xmlns:a16="http://schemas.microsoft.com/office/drawing/2014/main" id="{08B2A02E-54C7-48BA-8B6F-AF9CCA1E0E47}"/>
-                  </a:ext>
-                </a:extLst>
-              </p:cNvPr>
-              <p:cNvGraphicFramePr>
-                <a:graphicFrameLocks noGrp="1"/>
-              </p:cNvGraphicFramePr>
-              <p:nvPr>
-                <p:extLst>
-                  <p:ext uri="{D42A27DB-BD31-4B8C-83A1-F6EECF244321}">
-                    <p14:modId xmlns:p14="http://schemas.microsoft.com/office/powerpoint/2010/main" val="4239148568"/>
-                  </p:ext>
-                </p:extLst>
-              </p:nvPr>
-            </p:nvGraphicFramePr>
-            <p:xfrm>
-              <a:off x="4679385" y="394462"/>
-              <a:ext cx="4144937" cy="5715000"/>
-            </p:xfrm>
-            <a:graphic>
-              <a:graphicData uri="http://schemas.microsoft.com/office/webextensions/webextension/2010/11">
-                <we:webextensionref xmlns:we="http://schemas.microsoft.com/office/webextensions/webextension/2010/11" xmlns:r="http://schemas.openxmlformats.org/officeDocument/2006/relationships" r:id="rId2"/>
-              </a:graphicData>
-            </a:graphic>
-          </p:graphicFrame>
-        </mc:Choice>
-        <mc:Fallback xmlns="">
-          <p:pic>
-            <p:nvPicPr>
-              <p:cNvPr id="7" name="Add-in 6" title="Code Presenter Pro">
-                <a:extLst>
-                  <a:ext uri="{FF2B5EF4-FFF2-40B4-BE49-F238E27FC236}">
-                    <a16:creationId xmlns:a16="http://schemas.microsoft.com/office/drawing/2014/main" id="{08B2A02E-54C7-48BA-8B6F-AF9CCA1E0E47}"/>
-                  </a:ext>
-                </a:extLst>
-              </p:cNvPr>
-              <p:cNvPicPr>
-                <a:picLocks noGrp="1" noRot="1" noChangeAspect="1" noMove="1" noResize="1" noEditPoints="1" noAdjustHandles="1" noChangeArrowheads="1" noChangeShapeType="1"/>
-              </p:cNvPicPr>
-              <p:nvPr/>
-            </p:nvPicPr>
-            <p:blipFill>
-              <a:blip r:embed="rId3"/>
-              <a:stretch>
-                <a:fillRect/>
-              </a:stretch>
-            </p:blipFill>
-            <p:spPr>
-              <a:xfrm>
-                <a:off x="4679385" y="394462"/>
-                <a:ext cx="4144937" cy="5715000"/>
-              </a:xfrm>
-              <a:prstGeom prst="rect">
-                <a:avLst/>
-              </a:prstGeom>
-            </p:spPr>
-          </p:pic>
-        </mc:Fallback>
-      </mc:AlternateContent>
+              <a:t>lesson06 one</a:t>
+            </a:r>
+          </a:p>
+        </p:txBody>
+      </p:sp>
       <p:sp>
         <p:nvSpPr>
           <p:cNvPr id="6" name="Rectangle 5">
@@ -5099,8 +4095,8 @@
         </p:nvSpPr>
         <p:spPr>
           <a:xfrm>
-            <a:off x="3768601" y="6400520"/>
-            <a:ext cx="5486758" cy="307777"/>
+            <a:off x="3810165" y="6400520"/>
+            <a:ext cx="5466625" cy="307777"/>
           </a:xfrm>
           <a:prstGeom prst="rect">
             <a:avLst/>
@@ -5118,95 +4114,9 @@
                 <a:ea typeface="Tahoma" panose="020B0604030504040204" pitchFamily="34" charset="0"/>
                 <a:cs typeface="Tahoma" panose="020B0604030504040204" pitchFamily="34" charset="0"/>
               </a:rPr>
-              <a:t>folder: C:\appserv\php_lesson\    file name: lesson03_receive.php</a:t>
+              <a:t>folder: C:\appserv\php_lesson\    file name: lesson04_table.php</a:t>
             </a:r>
             <a:endParaRPr lang="ja-JP" altLang="en-US" sz="1400" dirty="0">
-              <a:latin typeface="Tahoma" panose="020B0604030504040204" pitchFamily="34" charset="0"/>
-              <a:cs typeface="Tahoma" panose="020B0604030504040204" pitchFamily="34" charset="0"/>
-            </a:endParaRPr>
-          </a:p>
-        </p:txBody>
-      </p:sp>
-      <p:sp>
-        <p:nvSpPr>
-          <p:cNvPr id="11" name="Rectangle 10">
-            <a:extLst>
-              <a:ext uri="{FF2B5EF4-FFF2-40B4-BE49-F238E27FC236}">
-                <a16:creationId xmlns:a16="http://schemas.microsoft.com/office/drawing/2014/main" id="{9A099E03-7F5D-40B5-AF83-8B36D2DA594B}"/>
-              </a:ext>
-            </a:extLst>
-          </p:cNvPr>
-          <p:cNvSpPr/>
-          <p:nvPr/>
-        </p:nvSpPr>
-        <p:spPr>
-          <a:xfrm>
-            <a:off x="1490714" y="4688168"/>
-            <a:ext cx="848309" cy="369332"/>
-          </a:xfrm>
-          <a:prstGeom prst="rect">
-            <a:avLst/>
-          </a:prstGeom>
-        </p:spPr>
-        <p:txBody>
-          <a:bodyPr wrap="none">
-            <a:spAutoFit/>
-          </a:bodyPr>
-          <a:lstStyle/>
-          <a:p>
-            <a:pPr algn="ctr"/>
-            <a:r>
-              <a:rPr lang="en-US" altLang="ja-JP" dirty="0">
-                <a:latin typeface="Tahoma" panose="020B0604030504040204" pitchFamily="34" charset="0"/>
-                <a:ea typeface="Tahoma" panose="020B0604030504040204" pitchFamily="34" charset="0"/>
-                <a:cs typeface="Tahoma" panose="020B0604030504040204" pitchFamily="34" charset="0"/>
-              </a:rPr>
-              <a:t>output</a:t>
-            </a:r>
-            <a:endParaRPr lang="ja-JP" altLang="en-US" dirty="0">
-              <a:latin typeface="Tahoma" panose="020B0604030504040204" pitchFamily="34" charset="0"/>
-              <a:cs typeface="Tahoma" panose="020B0604030504040204" pitchFamily="34" charset="0"/>
-            </a:endParaRPr>
-          </a:p>
-        </p:txBody>
-      </p:sp>
-      <p:sp>
-        <p:nvSpPr>
-          <p:cNvPr id="12" name="Rectangle 11">
-            <a:extLst>
-              <a:ext uri="{FF2B5EF4-FFF2-40B4-BE49-F238E27FC236}">
-                <a16:creationId xmlns:a16="http://schemas.microsoft.com/office/drawing/2014/main" id="{C77AA99F-01CF-4155-B9C5-78FDAE28F61E}"/>
-              </a:ext>
-            </a:extLst>
-          </p:cNvPr>
-          <p:cNvSpPr/>
-          <p:nvPr/>
-        </p:nvSpPr>
-        <p:spPr>
-          <a:xfrm>
-            <a:off x="1375784" y="2212184"/>
-            <a:ext cx="1356462" cy="369332"/>
-          </a:xfrm>
-          <a:prstGeom prst="rect">
-            <a:avLst/>
-          </a:prstGeom>
-        </p:spPr>
-        <p:txBody>
-          <a:bodyPr wrap="none">
-            <a:spAutoFit/>
-          </a:bodyPr>
-          <a:lstStyle/>
-          <a:p>
-            <a:pPr algn="ctr"/>
-            <a:r>
-              <a:rPr lang="en-US" altLang="ja-JP" dirty="0">
-                <a:latin typeface="Tahoma" panose="020B0604030504040204" pitchFamily="34" charset="0"/>
-                <a:ea typeface="Tahoma" panose="020B0604030504040204" pitchFamily="34" charset="0"/>
-                <a:cs typeface="Tahoma" panose="020B0604030504040204" pitchFamily="34" charset="0"/>
-              </a:rPr>
-              <a:t>explanation</a:t>
-            </a:r>
-            <a:endParaRPr lang="ja-JP" altLang="en-US" dirty="0">
               <a:latin typeface="Tahoma" panose="020B0604030504040204" pitchFamily="34" charset="0"/>
               <a:cs typeface="Tahoma" panose="020B0604030504040204" pitchFamily="34" charset="0"/>
             </a:endParaRPr>
@@ -5228,13 +4138,13 @@
           <p:nvPr/>
         </p:nvPicPr>
         <p:blipFill>
-          <a:blip r:embed="rId4">
+          <a:blip r:embed="rId2">
             <a:extLst>
               <a:ext uri="{28A0092B-C50C-407E-A947-70E740481C1C}">
                 <a14:useLocalDpi xmlns:a14="http://schemas.microsoft.com/office/drawing/2010/main" val="0"/>
               </a:ext>
               <a:ext uri="{96DAC541-7B7A-43D3-8B79-37D633B846F1}">
-                <asvg:svgBlip xmlns:asvg="http://schemas.microsoft.com/office/drawing/2016/SVG/main" r:embed="rId5"/>
+                <asvg:svgBlip xmlns:asvg="http://schemas.microsoft.com/office/drawing/2016/SVG/main" r:embed="rId3"/>
               </a:ext>
             </a:extLst>
           </a:blip>
@@ -5269,7 +4179,7 @@
         <p:spPr>
           <a:xfrm>
             <a:off x="314369" y="944302"/>
-            <a:ext cx="4088666" cy="3785419"/>
+            <a:ext cx="3479292" cy="3785419"/>
           </a:xfrm>
           <a:prstGeom prst="rect">
             <a:avLst/>
@@ -5454,7 +4364,7 @@
                 <a:ea typeface="Tahoma" panose="020B0604030504040204" pitchFamily="34" charset="0"/>
                 <a:cs typeface="Tahoma" panose="020B0604030504040204" pitchFamily="34" charset="0"/>
               </a:rPr>
-              <a:t>download "lesson05_receive.php"</a:t>
+              <a:t>download "lesson06_one.php"</a:t>
             </a:r>
           </a:p>
           <a:p>
@@ -5471,39 +4381,646 @@
               <a:t>write this program.</a:t>
             </a:r>
           </a:p>
-          <a:p>
-            <a:pPr marL="342891" indent="-342891">
-              <a:buFont typeface="+mj-lt"/>
-              <a:buAutoNum type="arabicPeriod"/>
-            </a:pPr>
-            <a:r>
-              <a:rPr lang="en-US" altLang="ja-JP" sz="1600" dirty="0">
-                <a:latin typeface="Tahoma" panose="020B0604030504040204" pitchFamily="34" charset="0"/>
-                <a:ea typeface="Tahoma" panose="020B0604030504040204" pitchFamily="34" charset="0"/>
-                <a:cs typeface="Tahoma" panose="020B0604030504040204" pitchFamily="34" charset="0"/>
-              </a:rPr>
-              <a:t>click button from lesson05_form.php </a:t>
-            </a:r>
-          </a:p>
-          <a:p>
-            <a:pPr marL="342891" indent="-342891">
-              <a:buFont typeface="+mj-lt"/>
-              <a:buAutoNum type="arabicPeriod"/>
-            </a:pPr>
-            <a:endParaRPr lang="en-US" altLang="ja-JP" sz="1700" dirty="0">
+        </p:txBody>
+      </p:sp>
+      <p:sp>
+        <p:nvSpPr>
+          <p:cNvPr id="11" name="TextBox 10">
+            <a:extLst>
+              <a:ext uri="{FF2B5EF4-FFF2-40B4-BE49-F238E27FC236}">
+                <a16:creationId xmlns:a16="http://schemas.microsoft.com/office/drawing/2014/main" id="{60948C0E-A0DC-4718-AE8A-A11770147217}"/>
+              </a:ext>
+            </a:extLst>
+          </p:cNvPr>
+          <p:cNvSpPr txBox="1"/>
+          <p:nvPr/>
+        </p:nvSpPr>
+        <p:spPr>
+          <a:xfrm>
+            <a:off x="4733151" y="506007"/>
+            <a:ext cx="4039216" cy="4579799"/>
+          </a:xfrm>
+          <a:prstGeom prst="rect">
+            <a:avLst/>
+          </a:prstGeom>
+          <a:solidFill>
+            <a:schemeClr val="bg1"/>
+          </a:solidFill>
+        </p:spPr>
+        <p:txBody>
+          <a:bodyPr wrap="square" rtlCol="0">
+            <a:normAutofit fontScale="85000" lnSpcReduction="20000"/>
+          </a:bodyPr>
+          <a:lstStyle/>
+          <a:p>
+            <a:r>
+              <a:rPr lang="en-US" sz="1400" dirty="0">
+                <a:latin typeface="Tahoma" panose="020B0604030504040204" pitchFamily="34" charset="0"/>
+                <a:ea typeface="Tahoma" panose="020B0604030504040204" pitchFamily="34" charset="0"/>
+                <a:cs typeface="Tahoma" panose="020B0604030504040204" pitchFamily="34" charset="0"/>
+              </a:rPr>
+              <a:t>&lt;!doctype html&gt;</a:t>
+            </a:r>
+          </a:p>
+          <a:p>
+            <a:r>
+              <a:rPr lang="en-US" sz="1400" dirty="0">
+                <a:latin typeface="Tahoma" panose="020B0604030504040204" pitchFamily="34" charset="0"/>
+                <a:ea typeface="Tahoma" panose="020B0604030504040204" pitchFamily="34" charset="0"/>
+                <a:cs typeface="Tahoma" panose="020B0604030504040204" pitchFamily="34" charset="0"/>
+              </a:rPr>
+              <a:t>&lt;html&gt;</a:t>
+            </a:r>
+          </a:p>
+          <a:p>
+            <a:r>
+              <a:rPr lang="en-US" sz="1400" dirty="0">
+                <a:latin typeface="Tahoma" panose="020B0604030504040204" pitchFamily="34" charset="0"/>
+                <a:ea typeface="Tahoma" panose="020B0604030504040204" pitchFamily="34" charset="0"/>
+                <a:cs typeface="Tahoma" panose="020B0604030504040204" pitchFamily="34" charset="0"/>
+              </a:rPr>
+              <a:t>&lt;head&gt;</a:t>
+            </a:r>
+          </a:p>
+          <a:p>
+            <a:r>
+              <a:rPr lang="en-US" sz="1400" dirty="0">
+                <a:latin typeface="Tahoma" panose="020B0604030504040204" pitchFamily="34" charset="0"/>
+                <a:ea typeface="Tahoma" panose="020B0604030504040204" pitchFamily="34" charset="0"/>
+                <a:cs typeface="Tahoma" panose="020B0604030504040204" pitchFamily="34" charset="0"/>
+              </a:rPr>
+              <a:t>	&lt;meta charset="utf-8"&gt;</a:t>
+            </a:r>
+          </a:p>
+          <a:p>
+            <a:r>
+              <a:rPr lang="en-US" sz="1400" dirty="0">
+                <a:latin typeface="Tahoma" panose="020B0604030504040204" pitchFamily="34" charset="0"/>
+                <a:ea typeface="Tahoma" panose="020B0604030504040204" pitchFamily="34" charset="0"/>
+                <a:cs typeface="Tahoma" panose="020B0604030504040204" pitchFamily="34" charset="0"/>
+              </a:rPr>
+              <a:t>&lt;/head&gt;</a:t>
+            </a:r>
+          </a:p>
+          <a:p>
+            <a:r>
+              <a:rPr lang="en-US" sz="1400" dirty="0">
+                <a:latin typeface="Tahoma" panose="020B0604030504040204" pitchFamily="34" charset="0"/>
+                <a:ea typeface="Tahoma" panose="020B0604030504040204" pitchFamily="34" charset="0"/>
+                <a:cs typeface="Tahoma" panose="020B0604030504040204" pitchFamily="34" charset="0"/>
+              </a:rPr>
+              <a:t>&lt;body&gt;</a:t>
+            </a:r>
+          </a:p>
+          <a:p>
+            <a:endParaRPr lang="en-US" sz="1400" dirty="0">
               <a:latin typeface="Tahoma" panose="020B0604030504040204" pitchFamily="34" charset="0"/>
               <a:ea typeface="Tahoma" panose="020B0604030504040204" pitchFamily="34" charset="0"/>
               <a:cs typeface="Tahoma" panose="020B0604030504040204" pitchFamily="34" charset="0"/>
             </a:endParaRPr>
           </a:p>
+          <a:p>
+            <a:r>
+              <a:rPr lang="en-US" sz="1400" dirty="0">
+                <a:latin typeface="Tahoma" panose="020B0604030504040204" pitchFamily="34" charset="0"/>
+                <a:ea typeface="Tahoma" panose="020B0604030504040204" pitchFamily="34" charset="0"/>
+                <a:cs typeface="Tahoma" panose="020B0604030504040204" pitchFamily="34" charset="0"/>
+              </a:rPr>
+              <a:t>&lt;?</a:t>
+            </a:r>
+            <a:r>
+              <a:rPr lang="en-US" sz="1400" dirty="0" err="1">
+                <a:latin typeface="Tahoma" panose="020B0604030504040204" pitchFamily="34" charset="0"/>
+                <a:ea typeface="Tahoma" panose="020B0604030504040204" pitchFamily="34" charset="0"/>
+                <a:cs typeface="Tahoma" panose="020B0604030504040204" pitchFamily="34" charset="0"/>
+              </a:rPr>
+              <a:t>php</a:t>
+            </a:r>
+            <a:endParaRPr lang="en-US" sz="1400" dirty="0">
+              <a:latin typeface="Tahoma" panose="020B0604030504040204" pitchFamily="34" charset="0"/>
+              <a:ea typeface="Tahoma" panose="020B0604030504040204" pitchFamily="34" charset="0"/>
+              <a:cs typeface="Tahoma" panose="020B0604030504040204" pitchFamily="34" charset="0"/>
+            </a:endParaRPr>
+          </a:p>
+          <a:p>
+            <a:r>
+              <a:rPr lang="en-US" sz="1400" dirty="0">
+                <a:latin typeface="Tahoma" panose="020B0604030504040204" pitchFamily="34" charset="0"/>
+                <a:ea typeface="Tahoma" panose="020B0604030504040204" pitchFamily="34" charset="0"/>
+                <a:cs typeface="Tahoma" panose="020B0604030504040204" pitchFamily="34" charset="0"/>
+              </a:rPr>
+              <a:t># connect database(host, user, password, </a:t>
+            </a:r>
+            <a:r>
+              <a:rPr lang="en-US" sz="1400" dirty="0" err="1">
+                <a:latin typeface="Tahoma" panose="020B0604030504040204" pitchFamily="34" charset="0"/>
+                <a:ea typeface="Tahoma" panose="020B0604030504040204" pitchFamily="34" charset="0"/>
+                <a:cs typeface="Tahoma" panose="020B0604030504040204" pitchFamily="34" charset="0"/>
+              </a:rPr>
+              <a:t>db</a:t>
+            </a:r>
+            <a:r>
+              <a:rPr lang="en-US" sz="1400" dirty="0">
+                <a:latin typeface="Tahoma" panose="020B0604030504040204" pitchFamily="34" charset="0"/>
+                <a:ea typeface="Tahoma" panose="020B0604030504040204" pitchFamily="34" charset="0"/>
+                <a:cs typeface="Tahoma" panose="020B0604030504040204" pitchFamily="34" charset="0"/>
+              </a:rPr>
+              <a:t>)</a:t>
+            </a:r>
+          </a:p>
+          <a:p>
+            <a:r>
+              <a:rPr lang="en-US" sz="1400" dirty="0">
+                <a:latin typeface="Tahoma" panose="020B0604030504040204" pitchFamily="34" charset="0"/>
+                <a:ea typeface="Tahoma" panose="020B0604030504040204" pitchFamily="34" charset="0"/>
+                <a:cs typeface="Tahoma" panose="020B0604030504040204" pitchFamily="34" charset="0"/>
+              </a:rPr>
+              <a:t>$</a:t>
+            </a:r>
+            <a:r>
+              <a:rPr lang="en-US" sz="1400" dirty="0" err="1">
+                <a:latin typeface="Tahoma" panose="020B0604030504040204" pitchFamily="34" charset="0"/>
+                <a:ea typeface="Tahoma" panose="020B0604030504040204" pitchFamily="34" charset="0"/>
+                <a:cs typeface="Tahoma" panose="020B0604030504040204" pitchFamily="34" charset="0"/>
+              </a:rPr>
+              <a:t>mysqli</a:t>
+            </a:r>
+            <a:r>
+              <a:rPr lang="en-US" sz="1400" dirty="0">
+                <a:latin typeface="Tahoma" panose="020B0604030504040204" pitchFamily="34" charset="0"/>
+                <a:ea typeface="Tahoma" panose="020B0604030504040204" pitchFamily="34" charset="0"/>
+                <a:cs typeface="Tahoma" panose="020B0604030504040204" pitchFamily="34" charset="0"/>
+              </a:rPr>
+              <a:t> = new </a:t>
+            </a:r>
+            <a:r>
+              <a:rPr lang="en-US" sz="1400" dirty="0" err="1">
+                <a:latin typeface="Tahoma" panose="020B0604030504040204" pitchFamily="34" charset="0"/>
+                <a:ea typeface="Tahoma" panose="020B0604030504040204" pitchFamily="34" charset="0"/>
+                <a:cs typeface="Tahoma" panose="020B0604030504040204" pitchFamily="34" charset="0"/>
+              </a:rPr>
+              <a:t>mysqli</a:t>
+            </a:r>
+            <a:r>
+              <a:rPr lang="en-US" sz="1400" dirty="0">
+                <a:latin typeface="Tahoma" panose="020B0604030504040204" pitchFamily="34" charset="0"/>
+                <a:ea typeface="Tahoma" panose="020B0604030504040204" pitchFamily="34" charset="0"/>
+                <a:cs typeface="Tahoma" panose="020B0604030504040204" pitchFamily="34" charset="0"/>
+              </a:rPr>
+              <a:t>("localhost", "root", "12345678", "test");</a:t>
+            </a:r>
+          </a:p>
+          <a:p>
+            <a:endParaRPr lang="en-US" sz="1400" dirty="0">
+              <a:latin typeface="Tahoma" panose="020B0604030504040204" pitchFamily="34" charset="0"/>
+              <a:ea typeface="Tahoma" panose="020B0604030504040204" pitchFamily="34" charset="0"/>
+              <a:cs typeface="Tahoma" panose="020B0604030504040204" pitchFamily="34" charset="0"/>
+            </a:endParaRPr>
+          </a:p>
+          <a:p>
+            <a:r>
+              <a:rPr lang="en-US" sz="1400" dirty="0">
+                <a:latin typeface="Tahoma" panose="020B0604030504040204" pitchFamily="34" charset="0"/>
+                <a:ea typeface="Tahoma" panose="020B0604030504040204" pitchFamily="34" charset="0"/>
+                <a:cs typeface="Tahoma" panose="020B0604030504040204" pitchFamily="34" charset="0"/>
+              </a:rPr>
+              <a:t># </a:t>
+            </a:r>
+            <a:r>
+              <a:rPr lang="en-US" sz="1400" dirty="0" err="1">
+                <a:latin typeface="Tahoma" panose="020B0604030504040204" pitchFamily="34" charset="0"/>
+                <a:ea typeface="Tahoma" panose="020B0604030504040204" pitchFamily="34" charset="0"/>
+                <a:cs typeface="Tahoma" panose="020B0604030504040204" pitchFamily="34" charset="0"/>
+              </a:rPr>
+              <a:t>mysqli</a:t>
+            </a:r>
+            <a:endParaRPr lang="en-US" sz="1400" dirty="0">
+              <a:latin typeface="Tahoma" panose="020B0604030504040204" pitchFamily="34" charset="0"/>
+              <a:ea typeface="Tahoma" panose="020B0604030504040204" pitchFamily="34" charset="0"/>
+              <a:cs typeface="Tahoma" panose="020B0604030504040204" pitchFamily="34" charset="0"/>
+            </a:endParaRPr>
+          </a:p>
+          <a:p>
+            <a:r>
+              <a:rPr lang="en-US" sz="1400" dirty="0">
+                <a:latin typeface="Tahoma" panose="020B0604030504040204" pitchFamily="34" charset="0"/>
+                <a:ea typeface="Tahoma" panose="020B0604030504040204" pitchFamily="34" charset="0"/>
+                <a:cs typeface="Tahoma" panose="020B0604030504040204" pitchFamily="34" charset="0"/>
+              </a:rPr>
+              <a:t>$query = "SELECT * FROM lesson06 WHERE no = 1";</a:t>
+            </a:r>
+          </a:p>
+          <a:p>
+            <a:endParaRPr lang="en-US" sz="1400" dirty="0">
+              <a:latin typeface="Tahoma" panose="020B0604030504040204" pitchFamily="34" charset="0"/>
+              <a:ea typeface="Tahoma" panose="020B0604030504040204" pitchFamily="34" charset="0"/>
+              <a:cs typeface="Tahoma" panose="020B0604030504040204" pitchFamily="34" charset="0"/>
+            </a:endParaRPr>
+          </a:p>
+          <a:p>
+            <a:r>
+              <a:rPr lang="en-US" sz="1400" dirty="0">
+                <a:latin typeface="Tahoma" panose="020B0604030504040204" pitchFamily="34" charset="0"/>
+                <a:ea typeface="Tahoma" panose="020B0604030504040204" pitchFamily="34" charset="0"/>
+                <a:cs typeface="Tahoma" panose="020B0604030504040204" pitchFamily="34" charset="0"/>
+              </a:rPr>
+              <a:t># run SQL</a:t>
+            </a:r>
+          </a:p>
+          <a:p>
+            <a:r>
+              <a:rPr lang="en-US" sz="1400" dirty="0">
+                <a:latin typeface="Tahoma" panose="020B0604030504040204" pitchFamily="34" charset="0"/>
+                <a:ea typeface="Tahoma" panose="020B0604030504040204" pitchFamily="34" charset="0"/>
+                <a:cs typeface="Tahoma" panose="020B0604030504040204" pitchFamily="34" charset="0"/>
+              </a:rPr>
+              <a:t>$result = $</a:t>
+            </a:r>
+            <a:r>
+              <a:rPr lang="en-US" sz="1400" dirty="0" err="1">
+                <a:latin typeface="Tahoma" panose="020B0604030504040204" pitchFamily="34" charset="0"/>
+                <a:ea typeface="Tahoma" panose="020B0604030504040204" pitchFamily="34" charset="0"/>
+                <a:cs typeface="Tahoma" panose="020B0604030504040204" pitchFamily="34" charset="0"/>
+              </a:rPr>
+              <a:t>mysqli</a:t>
+            </a:r>
+            <a:r>
+              <a:rPr lang="en-US" sz="1400" dirty="0">
+                <a:latin typeface="Tahoma" panose="020B0604030504040204" pitchFamily="34" charset="0"/>
+                <a:ea typeface="Tahoma" panose="020B0604030504040204" pitchFamily="34" charset="0"/>
+                <a:cs typeface="Tahoma" panose="020B0604030504040204" pitchFamily="34" charset="0"/>
+              </a:rPr>
+              <a:t>-&gt;query($query);</a:t>
+            </a:r>
+          </a:p>
+          <a:p>
+            <a:endParaRPr lang="en-US" sz="1400" dirty="0">
+              <a:latin typeface="Tahoma" panose="020B0604030504040204" pitchFamily="34" charset="0"/>
+              <a:ea typeface="Tahoma" panose="020B0604030504040204" pitchFamily="34" charset="0"/>
+              <a:cs typeface="Tahoma" panose="020B0604030504040204" pitchFamily="34" charset="0"/>
+            </a:endParaRPr>
+          </a:p>
+          <a:p>
+            <a:r>
+              <a:rPr lang="en-US" sz="1400" dirty="0">
+                <a:latin typeface="Tahoma" panose="020B0604030504040204" pitchFamily="34" charset="0"/>
+                <a:ea typeface="Tahoma" panose="020B0604030504040204" pitchFamily="34" charset="0"/>
+                <a:cs typeface="Tahoma" panose="020B0604030504040204" pitchFamily="34" charset="0"/>
+              </a:rPr>
+              <a:t># get result</a:t>
+            </a:r>
+          </a:p>
+          <a:p>
+            <a:r>
+              <a:rPr lang="en-US" sz="1400" dirty="0">
+                <a:latin typeface="Tahoma" panose="020B0604030504040204" pitchFamily="34" charset="0"/>
+                <a:ea typeface="Tahoma" panose="020B0604030504040204" pitchFamily="34" charset="0"/>
+                <a:cs typeface="Tahoma" panose="020B0604030504040204" pitchFamily="34" charset="0"/>
+              </a:rPr>
+              <a:t>$data = $result-&gt;</a:t>
+            </a:r>
+            <a:r>
+              <a:rPr lang="en-US" sz="1400" dirty="0" err="1">
+                <a:latin typeface="Tahoma" panose="020B0604030504040204" pitchFamily="34" charset="0"/>
+                <a:ea typeface="Tahoma" panose="020B0604030504040204" pitchFamily="34" charset="0"/>
+                <a:cs typeface="Tahoma" panose="020B0604030504040204" pitchFamily="34" charset="0"/>
+              </a:rPr>
+              <a:t>fetch_assoc</a:t>
+            </a:r>
+            <a:r>
+              <a:rPr lang="en-US" sz="1400" dirty="0">
+                <a:latin typeface="Tahoma" panose="020B0604030504040204" pitchFamily="34" charset="0"/>
+                <a:ea typeface="Tahoma" panose="020B0604030504040204" pitchFamily="34" charset="0"/>
+                <a:cs typeface="Tahoma" panose="020B0604030504040204" pitchFamily="34" charset="0"/>
+              </a:rPr>
+              <a:t>();</a:t>
+            </a:r>
+          </a:p>
+          <a:p>
+            <a:endParaRPr lang="en-US" sz="1400" dirty="0">
+              <a:latin typeface="Tahoma" panose="020B0604030504040204" pitchFamily="34" charset="0"/>
+              <a:ea typeface="Tahoma" panose="020B0604030504040204" pitchFamily="34" charset="0"/>
+              <a:cs typeface="Tahoma" panose="020B0604030504040204" pitchFamily="34" charset="0"/>
+            </a:endParaRPr>
+          </a:p>
+          <a:p>
+            <a:r>
+              <a:rPr lang="en-US" sz="1400" dirty="0">
+                <a:latin typeface="Tahoma" panose="020B0604030504040204" pitchFamily="34" charset="0"/>
+                <a:ea typeface="Tahoma" panose="020B0604030504040204" pitchFamily="34" charset="0"/>
+                <a:cs typeface="Tahoma" panose="020B0604030504040204" pitchFamily="34" charset="0"/>
+              </a:rPr>
+              <a:t>?&gt;</a:t>
+            </a:r>
+          </a:p>
+          <a:p>
+            <a:endParaRPr lang="en-US" sz="1400" dirty="0">
+              <a:latin typeface="Tahoma" panose="020B0604030504040204" pitchFamily="34" charset="0"/>
+              <a:ea typeface="Tahoma" panose="020B0604030504040204" pitchFamily="34" charset="0"/>
+              <a:cs typeface="Tahoma" panose="020B0604030504040204" pitchFamily="34" charset="0"/>
+            </a:endParaRPr>
+          </a:p>
+          <a:p>
+            <a:r>
+              <a:rPr lang="en-US" sz="1400" dirty="0">
+                <a:latin typeface="Tahoma" panose="020B0604030504040204" pitchFamily="34" charset="0"/>
+                <a:ea typeface="Tahoma" panose="020B0604030504040204" pitchFamily="34" charset="0"/>
+                <a:cs typeface="Tahoma" panose="020B0604030504040204" pitchFamily="34" charset="0"/>
+              </a:rPr>
+              <a:t>no = &lt;?</a:t>
+            </a:r>
+            <a:r>
+              <a:rPr lang="en-US" sz="1400" dirty="0" err="1">
+                <a:latin typeface="Tahoma" panose="020B0604030504040204" pitchFamily="34" charset="0"/>
+                <a:ea typeface="Tahoma" panose="020B0604030504040204" pitchFamily="34" charset="0"/>
+                <a:cs typeface="Tahoma" panose="020B0604030504040204" pitchFamily="34" charset="0"/>
+              </a:rPr>
+              <a:t>php</a:t>
+            </a:r>
+            <a:r>
+              <a:rPr lang="en-US" sz="1400" dirty="0">
+                <a:latin typeface="Tahoma" panose="020B0604030504040204" pitchFamily="34" charset="0"/>
+                <a:ea typeface="Tahoma" panose="020B0604030504040204" pitchFamily="34" charset="0"/>
+                <a:cs typeface="Tahoma" panose="020B0604030504040204" pitchFamily="34" charset="0"/>
+              </a:rPr>
+              <a:t> echo $data["no"] ?&gt;&lt;</a:t>
+            </a:r>
+            <a:r>
+              <a:rPr lang="en-US" sz="1400" dirty="0" err="1">
+                <a:latin typeface="Tahoma" panose="020B0604030504040204" pitchFamily="34" charset="0"/>
+                <a:ea typeface="Tahoma" panose="020B0604030504040204" pitchFamily="34" charset="0"/>
+                <a:cs typeface="Tahoma" panose="020B0604030504040204" pitchFamily="34" charset="0"/>
+              </a:rPr>
+              <a:t>br</a:t>
+            </a:r>
+            <a:r>
+              <a:rPr lang="en-US" sz="1400" dirty="0">
+                <a:latin typeface="Tahoma" panose="020B0604030504040204" pitchFamily="34" charset="0"/>
+                <a:ea typeface="Tahoma" panose="020B0604030504040204" pitchFamily="34" charset="0"/>
+                <a:cs typeface="Tahoma" panose="020B0604030504040204" pitchFamily="34" charset="0"/>
+              </a:rPr>
+              <a:t> /&gt;</a:t>
+            </a:r>
+          </a:p>
+          <a:p>
+            <a:r>
+              <a:rPr lang="en-US" sz="1400" dirty="0">
+                <a:latin typeface="Tahoma" panose="020B0604030504040204" pitchFamily="34" charset="0"/>
+                <a:ea typeface="Tahoma" panose="020B0604030504040204" pitchFamily="34" charset="0"/>
+                <a:cs typeface="Tahoma" panose="020B0604030504040204" pitchFamily="34" charset="0"/>
+              </a:rPr>
+              <a:t>name = &lt;?</a:t>
+            </a:r>
+            <a:r>
+              <a:rPr lang="en-US" sz="1400" dirty="0" err="1">
+                <a:latin typeface="Tahoma" panose="020B0604030504040204" pitchFamily="34" charset="0"/>
+                <a:ea typeface="Tahoma" panose="020B0604030504040204" pitchFamily="34" charset="0"/>
+                <a:cs typeface="Tahoma" panose="020B0604030504040204" pitchFamily="34" charset="0"/>
+              </a:rPr>
+              <a:t>php</a:t>
+            </a:r>
+            <a:r>
+              <a:rPr lang="en-US" sz="1400" dirty="0">
+                <a:latin typeface="Tahoma" panose="020B0604030504040204" pitchFamily="34" charset="0"/>
+                <a:ea typeface="Tahoma" panose="020B0604030504040204" pitchFamily="34" charset="0"/>
+                <a:cs typeface="Tahoma" panose="020B0604030504040204" pitchFamily="34" charset="0"/>
+              </a:rPr>
+              <a:t> echo $data["name"] ?&gt;&lt;</a:t>
+            </a:r>
+            <a:r>
+              <a:rPr lang="en-US" sz="1400" dirty="0" err="1">
+                <a:latin typeface="Tahoma" panose="020B0604030504040204" pitchFamily="34" charset="0"/>
+                <a:ea typeface="Tahoma" panose="020B0604030504040204" pitchFamily="34" charset="0"/>
+                <a:cs typeface="Tahoma" panose="020B0604030504040204" pitchFamily="34" charset="0"/>
+              </a:rPr>
+              <a:t>br</a:t>
+            </a:r>
+            <a:r>
+              <a:rPr lang="en-US" sz="1400" dirty="0">
+                <a:latin typeface="Tahoma" panose="020B0604030504040204" pitchFamily="34" charset="0"/>
+                <a:ea typeface="Tahoma" panose="020B0604030504040204" pitchFamily="34" charset="0"/>
+                <a:cs typeface="Tahoma" panose="020B0604030504040204" pitchFamily="34" charset="0"/>
+              </a:rPr>
+              <a:t> /&gt;</a:t>
+            </a:r>
+          </a:p>
+          <a:p>
+            <a:endParaRPr lang="en-US" sz="1400" dirty="0">
+              <a:latin typeface="Tahoma" panose="020B0604030504040204" pitchFamily="34" charset="0"/>
+              <a:ea typeface="Tahoma" panose="020B0604030504040204" pitchFamily="34" charset="0"/>
+              <a:cs typeface="Tahoma" panose="020B0604030504040204" pitchFamily="34" charset="0"/>
+            </a:endParaRPr>
+          </a:p>
+          <a:p>
+            <a:r>
+              <a:rPr lang="en-US" sz="1400" dirty="0">
+                <a:latin typeface="Tahoma" panose="020B0604030504040204" pitchFamily="34" charset="0"/>
+                <a:ea typeface="Tahoma" panose="020B0604030504040204" pitchFamily="34" charset="0"/>
+                <a:cs typeface="Tahoma" panose="020B0604030504040204" pitchFamily="34" charset="0"/>
+              </a:rPr>
+              <a:t>&lt;/body&gt;</a:t>
+            </a:r>
+          </a:p>
+          <a:p>
+            <a:r>
+              <a:rPr lang="en-US" sz="1400" dirty="0">
+                <a:latin typeface="Tahoma" panose="020B0604030504040204" pitchFamily="34" charset="0"/>
+                <a:ea typeface="Tahoma" panose="020B0604030504040204" pitchFamily="34" charset="0"/>
+                <a:cs typeface="Tahoma" panose="020B0604030504040204" pitchFamily="34" charset="0"/>
+              </a:rPr>
+              <a:t>&lt;/html&gt;</a:t>
+            </a:r>
+          </a:p>
+        </p:txBody>
+      </p:sp>
+    </p:spTree>
+    <p:extLst>
+      <p:ext uri="{BB962C8B-B14F-4D97-AF65-F5344CB8AC3E}">
+        <p14:creationId xmlns:p14="http://schemas.microsoft.com/office/powerpoint/2010/main" val="3578047999"/>
+      </p:ext>
+    </p:extLst>
+  </p:cSld>
+  <p:clrMapOvr>
+    <a:masterClrMapping/>
+  </p:clrMapOvr>
+</p:sld>
+</file>
+
+<file path=ppt/slides/slide4.xml><?xml version="1.0" encoding="utf-8"?>
+<p:sld xmlns:a="http://schemas.openxmlformats.org/drawingml/2006/main" xmlns:r="http://schemas.openxmlformats.org/officeDocument/2006/relationships" xmlns:p="http://schemas.openxmlformats.org/presentationml/2006/main">
+  <p:cSld>
+    <p:bg>
+      <p:bgPr>
+        <a:solidFill>
+          <a:schemeClr val="bg1"/>
+        </a:solidFill>
+        <a:effectLst/>
+      </p:bgPr>
+    </p:bg>
+    <p:spTree>
+      <p:nvGrpSpPr>
+        <p:cNvPr id="1" name=""/>
+        <p:cNvGrpSpPr/>
+        <p:nvPr/>
+      </p:nvGrpSpPr>
+      <p:grpSpPr>
+        <a:xfrm>
+          <a:off x="0" y="0"/>
+          <a:ext cx="0" cy="0"/>
+          <a:chOff x="0" y="0"/>
+          <a:chExt cx="0" cy="0"/>
+        </a:xfrm>
+      </p:grpSpPr>
+      <p:sp>
+        <p:nvSpPr>
+          <p:cNvPr id="10" name="Rectangle 9">
+            <a:extLst>
+              <a:ext uri="{FF2B5EF4-FFF2-40B4-BE49-F238E27FC236}">
+                <a16:creationId xmlns:a16="http://schemas.microsoft.com/office/drawing/2014/main" id="{CEB41C5C-0F34-4DDA-9D7C-5E717F35F60C}"/>
+              </a:ext>
+            </a:extLst>
+          </p:cNvPr>
+          <p:cNvSpPr>
+            <a:spLocks noGrp="1" noRot="1" noChangeAspect="1" noMove="1" noResize="1" noEditPoints="1" noAdjustHandles="1" noChangeArrowheads="1" noChangeShapeType="1" noTextEdit="1"/>
+          </p:cNvSpPr>
+          <p:nvPr>
+            <p:extLst>
+              <p:ext uri="{386F3935-93C4-4BCD-93E2-E3B085C9AB24}">
+                <p16:designElem xmlns:p16="http://schemas.microsoft.com/office/powerpoint/2015/main" val="1"/>
+              </p:ext>
+            </p:extLst>
+          </p:nvPr>
+        </p:nvSpPr>
+        <p:spPr bwMode="ltGray">
+          <a:xfrm>
+            <a:off x="4601007" y="303591"/>
+            <a:ext cx="4301693" cy="5896743"/>
+          </a:xfrm>
+          <a:prstGeom prst="rect">
+            <a:avLst/>
+          </a:prstGeom>
+          <a:solidFill>
+            <a:schemeClr val="tx1">
+              <a:alpha val="15000"/>
+            </a:schemeClr>
+          </a:solidFill>
+          <a:ln w="127000" cap="sq" cmpd="thinThick">
+            <a:solidFill>
+              <a:schemeClr val="tx1">
+                <a:alpha val="10000"/>
+              </a:schemeClr>
+            </a:solidFill>
+          </a:ln>
+        </p:spPr>
+        <p:style>
+          <a:lnRef idx="2">
+            <a:schemeClr val="accent1">
+              <a:shade val="50000"/>
+            </a:schemeClr>
+          </a:lnRef>
+          <a:fillRef idx="1">
+            <a:schemeClr val="accent1"/>
+          </a:fillRef>
+          <a:effectRef idx="0">
+            <a:schemeClr val="accent1"/>
+          </a:effectRef>
+          <a:fontRef idx="minor">
+            <a:schemeClr val="lt1"/>
+          </a:fontRef>
+        </p:style>
+        <p:txBody>
+          <a:bodyPr rtlCol="0" anchor="ctr"/>
+          <a:lstStyle/>
+          <a:p>
+            <a:pPr algn="ctr"/>
+            <a:endParaRPr lang="en-US"/>
+          </a:p>
+        </p:txBody>
+      </p:sp>
+      <p:sp>
+        <p:nvSpPr>
+          <p:cNvPr id="2" name="Title 1">
+            <a:extLst>
+              <a:ext uri="{FF2B5EF4-FFF2-40B4-BE49-F238E27FC236}">
+                <a16:creationId xmlns:a16="http://schemas.microsoft.com/office/drawing/2014/main" id="{E44D6F80-BF44-4B52-9DF2-B11355DE48D4}"/>
+              </a:ext>
+            </a:extLst>
+          </p:cNvPr>
+          <p:cNvSpPr>
+            <a:spLocks noGrp="1"/>
+          </p:cNvSpPr>
+          <p:nvPr>
+            <p:ph type="title"/>
+          </p:nvPr>
+        </p:nvSpPr>
+        <p:spPr>
+          <a:xfrm>
+            <a:off x="251967" y="13232"/>
+            <a:ext cx="3915950" cy="787957"/>
+          </a:xfrm>
+        </p:spPr>
+        <p:txBody>
+          <a:bodyPr>
+            <a:normAutofit/>
+          </a:bodyPr>
+          <a:lstStyle/>
+          <a:p>
+            <a:pPr algn="ctr"/>
+            <a:r>
+              <a:rPr lang="en-US" sz="3500" dirty="0"/>
+              <a:t>lesson06 all</a:t>
+            </a:r>
+          </a:p>
+        </p:txBody>
+      </p:sp>
+      <p:sp>
+        <p:nvSpPr>
+          <p:cNvPr id="6" name="Rectangle 5">
+            <a:extLst>
+              <a:ext uri="{FF2B5EF4-FFF2-40B4-BE49-F238E27FC236}">
+                <a16:creationId xmlns:a16="http://schemas.microsoft.com/office/drawing/2014/main" id="{56CF89B6-45BF-4C70-B4FA-B3D5F715A11A}"/>
+              </a:ext>
+            </a:extLst>
+          </p:cNvPr>
+          <p:cNvSpPr/>
+          <p:nvPr/>
+        </p:nvSpPr>
+        <p:spPr>
+          <a:xfrm>
+            <a:off x="3810165" y="6400520"/>
+            <a:ext cx="5466625" cy="307777"/>
+          </a:xfrm>
+          <a:prstGeom prst="rect">
+            <a:avLst/>
+          </a:prstGeom>
+        </p:spPr>
+        <p:txBody>
+          <a:bodyPr wrap="none">
+            <a:spAutoFit/>
+          </a:bodyPr>
+          <a:lstStyle/>
+          <a:p>
+            <a:r>
+              <a:rPr lang="en-US" altLang="ja-JP" sz="1400" dirty="0">
+                <a:latin typeface="Tahoma" panose="020B0604030504040204" pitchFamily="34" charset="0"/>
+                <a:ea typeface="Tahoma" panose="020B0604030504040204" pitchFamily="34" charset="0"/>
+                <a:cs typeface="Tahoma" panose="020B0604030504040204" pitchFamily="34" charset="0"/>
+              </a:rPr>
+              <a:t>folder: C:\appserv\php_lesson\    file name: lesson04_table.php</a:t>
+            </a:r>
+            <a:endParaRPr lang="ja-JP" altLang="en-US" sz="1400" dirty="0">
+              <a:latin typeface="Tahoma" panose="020B0604030504040204" pitchFamily="34" charset="0"/>
+              <a:cs typeface="Tahoma" panose="020B0604030504040204" pitchFamily="34" charset="0"/>
+            </a:endParaRPr>
+          </a:p>
         </p:txBody>
       </p:sp>
       <p:pic>
         <p:nvPicPr>
-          <p:cNvPr id="5" name="Picture 4">
+          <p:cNvPr id="13" name="Graphic 12">
             <a:extLst>
               <a:ext uri="{FF2B5EF4-FFF2-40B4-BE49-F238E27FC236}">
-                <a16:creationId xmlns:a16="http://schemas.microsoft.com/office/drawing/2014/main" id="{A4497425-BFCD-44BA-9EB2-6F0906066105}"/>
+                <a16:creationId xmlns:a16="http://schemas.microsoft.com/office/drawing/2014/main" id="{C0A1D308-1A10-46EC-BC7B-E1F8BE698AEE}"/>
               </a:ext>
             </a:extLst>
           </p:cNvPr>
@@ -5512,30 +5029,994 @@
           </p:cNvPicPr>
           <p:nvPr/>
         </p:nvPicPr>
-        <p:blipFill rotWithShape="1">
-          <a:blip r:embed="rId6"/>
-          <a:srcRect t="26337" b="9054"/>
-          <a:stretch/>
+        <p:blipFill>
+          <a:blip r:embed="rId2">
+            <a:extLst>
+              <a:ext uri="{28A0092B-C50C-407E-A947-70E740481C1C}">
+                <a14:useLocalDpi xmlns:a14="http://schemas.microsoft.com/office/drawing/2010/main" val="0"/>
+              </a:ext>
+              <a:ext uri="{96DAC541-7B7A-43D3-8B79-37D633B846F1}">
+                <asvg:svgBlip xmlns:asvg="http://schemas.microsoft.com/office/drawing/2016/SVG/main" r:embed="rId3"/>
+              </a:ext>
+            </a:extLst>
+          </a:blip>
+          <a:stretch>
+            <a:fillRect/>
+          </a:stretch>
         </p:blipFill>
         <p:spPr>
           <a:xfrm>
-            <a:off x="420899" y="5131439"/>
-            <a:ext cx="2992990" cy="1629208"/>
+            <a:off x="100076" y="6369742"/>
+            <a:ext cx="683948" cy="369332"/>
           </a:xfrm>
           <a:prstGeom prst="rect">
             <a:avLst/>
           </a:prstGeom>
-          <a:ln>
-            <a:solidFill>
-              <a:schemeClr val="accent1"/>
-            </a:solidFill>
-          </a:ln>
         </p:spPr>
       </p:pic>
+      <p:sp>
+        <p:nvSpPr>
+          <p:cNvPr id="14" name="Content Placeholder 2">
+            <a:extLst>
+              <a:ext uri="{FF2B5EF4-FFF2-40B4-BE49-F238E27FC236}">
+                <a16:creationId xmlns:a16="http://schemas.microsoft.com/office/drawing/2014/main" id="{F0528EC4-574A-49AF-BF35-6486232B5792}"/>
+              </a:ext>
+            </a:extLst>
+          </p:cNvPr>
+          <p:cNvSpPr txBox="1">
+            <a:spLocks/>
+          </p:cNvSpPr>
+          <p:nvPr/>
+        </p:nvSpPr>
+        <p:spPr>
+          <a:xfrm>
+            <a:off x="314369" y="944302"/>
+            <a:ext cx="3479292" cy="3785419"/>
+          </a:xfrm>
+          <a:prstGeom prst="rect">
+            <a:avLst/>
+          </a:prstGeom>
+        </p:spPr>
+        <p:txBody>
+          <a:bodyPr vert="horz" lIns="91440" tIns="45720" rIns="91440" bIns="45720" rtlCol="0">
+            <a:normAutofit/>
+          </a:bodyPr>
+          <a:lstStyle>
+            <a:lvl1pPr marL="228600" indent="-228600" algn="l" defTabSz="914400" rtl="0" eaLnBrk="1" latinLnBrk="0" hangingPunct="1">
+              <a:lnSpc>
+                <a:spcPct val="90000"/>
+              </a:lnSpc>
+              <a:spcBef>
+                <a:spcPts val="1000"/>
+              </a:spcBef>
+              <a:buFont typeface="Arial" panose="020B0604020202020204" pitchFamily="34" charset="0"/>
+              <a:buChar char="•"/>
+              <a:defRPr sz="2800" kern="1200">
+                <a:solidFill>
+                  <a:schemeClr val="tx1"/>
+                </a:solidFill>
+                <a:latin typeface="+mn-lt"/>
+                <a:ea typeface="+mn-ea"/>
+                <a:cs typeface="+mn-cs"/>
+              </a:defRPr>
+            </a:lvl1pPr>
+            <a:lvl2pPr marL="685800" indent="-228600" algn="l" defTabSz="914400" rtl="0" eaLnBrk="1" latinLnBrk="0" hangingPunct="1">
+              <a:lnSpc>
+                <a:spcPct val="90000"/>
+              </a:lnSpc>
+              <a:spcBef>
+                <a:spcPts val="500"/>
+              </a:spcBef>
+              <a:buFont typeface="Arial" panose="020B0604020202020204" pitchFamily="34" charset="0"/>
+              <a:buChar char="•"/>
+              <a:defRPr sz="2400" kern="1200">
+                <a:solidFill>
+                  <a:schemeClr val="tx1"/>
+                </a:solidFill>
+                <a:latin typeface="+mn-lt"/>
+                <a:ea typeface="+mn-ea"/>
+                <a:cs typeface="+mn-cs"/>
+              </a:defRPr>
+            </a:lvl2pPr>
+            <a:lvl3pPr marL="1143000" indent="-228600" algn="l" defTabSz="914400" rtl="0" eaLnBrk="1" latinLnBrk="0" hangingPunct="1">
+              <a:lnSpc>
+                <a:spcPct val="90000"/>
+              </a:lnSpc>
+              <a:spcBef>
+                <a:spcPts val="500"/>
+              </a:spcBef>
+              <a:buFont typeface="Arial" panose="020B0604020202020204" pitchFamily="34" charset="0"/>
+              <a:buChar char="•"/>
+              <a:defRPr sz="2000" kern="1200">
+                <a:solidFill>
+                  <a:schemeClr val="tx1"/>
+                </a:solidFill>
+                <a:latin typeface="+mn-lt"/>
+                <a:ea typeface="+mn-ea"/>
+                <a:cs typeface="+mn-cs"/>
+              </a:defRPr>
+            </a:lvl3pPr>
+            <a:lvl4pPr marL="1600200" indent="-228600" algn="l" defTabSz="914400" rtl="0" eaLnBrk="1" latinLnBrk="0" hangingPunct="1">
+              <a:lnSpc>
+                <a:spcPct val="90000"/>
+              </a:lnSpc>
+              <a:spcBef>
+                <a:spcPts val="500"/>
+              </a:spcBef>
+              <a:buFont typeface="Arial" panose="020B0604020202020204" pitchFamily="34" charset="0"/>
+              <a:buChar char="•"/>
+              <a:defRPr sz="1800" kern="1200">
+                <a:solidFill>
+                  <a:schemeClr val="tx1"/>
+                </a:solidFill>
+                <a:latin typeface="+mn-lt"/>
+                <a:ea typeface="+mn-ea"/>
+                <a:cs typeface="+mn-cs"/>
+              </a:defRPr>
+            </a:lvl4pPr>
+            <a:lvl5pPr marL="2057400" indent="-228600" algn="l" defTabSz="914400" rtl="0" eaLnBrk="1" latinLnBrk="0" hangingPunct="1">
+              <a:lnSpc>
+                <a:spcPct val="90000"/>
+              </a:lnSpc>
+              <a:spcBef>
+                <a:spcPts val="500"/>
+              </a:spcBef>
+              <a:buFont typeface="Arial" panose="020B0604020202020204" pitchFamily="34" charset="0"/>
+              <a:buChar char="•"/>
+              <a:defRPr sz="1800" kern="1200">
+                <a:solidFill>
+                  <a:schemeClr val="tx1"/>
+                </a:solidFill>
+                <a:latin typeface="+mn-lt"/>
+                <a:ea typeface="+mn-ea"/>
+                <a:cs typeface="+mn-cs"/>
+              </a:defRPr>
+            </a:lvl5pPr>
+            <a:lvl6pPr marL="2514600" indent="-228600" algn="l" defTabSz="914400" rtl="0" eaLnBrk="1" latinLnBrk="0" hangingPunct="1">
+              <a:lnSpc>
+                <a:spcPct val="90000"/>
+              </a:lnSpc>
+              <a:spcBef>
+                <a:spcPts val="500"/>
+              </a:spcBef>
+              <a:buFont typeface="Arial" panose="020B0604020202020204" pitchFamily="34" charset="0"/>
+              <a:buChar char="•"/>
+              <a:defRPr sz="1800" kern="1200">
+                <a:solidFill>
+                  <a:schemeClr val="tx1"/>
+                </a:solidFill>
+                <a:latin typeface="+mn-lt"/>
+                <a:ea typeface="+mn-ea"/>
+                <a:cs typeface="+mn-cs"/>
+              </a:defRPr>
+            </a:lvl6pPr>
+            <a:lvl7pPr marL="2971800" indent="-228600" algn="l" defTabSz="914400" rtl="0" eaLnBrk="1" latinLnBrk="0" hangingPunct="1">
+              <a:lnSpc>
+                <a:spcPct val="90000"/>
+              </a:lnSpc>
+              <a:spcBef>
+                <a:spcPts val="500"/>
+              </a:spcBef>
+              <a:buFont typeface="Arial" panose="020B0604020202020204" pitchFamily="34" charset="0"/>
+              <a:buChar char="•"/>
+              <a:defRPr sz="1800" kern="1200">
+                <a:solidFill>
+                  <a:schemeClr val="tx1"/>
+                </a:solidFill>
+                <a:latin typeface="+mn-lt"/>
+                <a:ea typeface="+mn-ea"/>
+                <a:cs typeface="+mn-cs"/>
+              </a:defRPr>
+            </a:lvl7pPr>
+            <a:lvl8pPr marL="3429000" indent="-228600" algn="l" defTabSz="914400" rtl="0" eaLnBrk="1" latinLnBrk="0" hangingPunct="1">
+              <a:lnSpc>
+                <a:spcPct val="90000"/>
+              </a:lnSpc>
+              <a:spcBef>
+                <a:spcPts val="500"/>
+              </a:spcBef>
+              <a:buFont typeface="Arial" panose="020B0604020202020204" pitchFamily="34" charset="0"/>
+              <a:buChar char="•"/>
+              <a:defRPr sz="1800" kern="1200">
+                <a:solidFill>
+                  <a:schemeClr val="tx1"/>
+                </a:solidFill>
+                <a:latin typeface="+mn-lt"/>
+                <a:ea typeface="+mn-ea"/>
+                <a:cs typeface="+mn-cs"/>
+              </a:defRPr>
+            </a:lvl8pPr>
+            <a:lvl9pPr marL="3886200" indent="-228600" algn="l" defTabSz="914400" rtl="0" eaLnBrk="1" latinLnBrk="0" hangingPunct="1">
+              <a:lnSpc>
+                <a:spcPct val="90000"/>
+              </a:lnSpc>
+              <a:spcBef>
+                <a:spcPts val="500"/>
+              </a:spcBef>
+              <a:buFont typeface="Arial" panose="020B0604020202020204" pitchFamily="34" charset="0"/>
+              <a:buChar char="•"/>
+              <a:defRPr sz="1800" kern="1200">
+                <a:solidFill>
+                  <a:schemeClr val="tx1"/>
+                </a:solidFill>
+                <a:latin typeface="+mn-lt"/>
+                <a:ea typeface="+mn-ea"/>
+                <a:cs typeface="+mn-cs"/>
+              </a:defRPr>
+            </a:lvl9pPr>
+          </a:lstStyle>
+          <a:p>
+            <a:pPr marL="342891" indent="-342891">
+              <a:buFont typeface="+mj-lt"/>
+              <a:buAutoNum type="arabicPeriod"/>
+            </a:pPr>
+            <a:r>
+              <a:rPr lang="en-US" altLang="ja-JP" sz="1700" dirty="0">
+                <a:latin typeface="Tahoma" panose="020B0604030504040204" pitchFamily="34" charset="0"/>
+                <a:ea typeface="Tahoma" panose="020B0604030504040204" pitchFamily="34" charset="0"/>
+                <a:cs typeface="Tahoma" panose="020B0604030504040204" pitchFamily="34" charset="0"/>
+              </a:rPr>
+              <a:t>download "lesson06_all.php"</a:t>
+            </a:r>
+          </a:p>
+          <a:p>
+            <a:pPr marL="342891" indent="-342891">
+              <a:buFont typeface="+mj-lt"/>
+              <a:buAutoNum type="arabicPeriod"/>
+            </a:pPr>
+            <a:r>
+              <a:rPr lang="en-US" altLang="ja-JP" sz="1700" dirty="0">
+                <a:latin typeface="Tahoma" panose="020B0604030504040204" pitchFamily="34" charset="0"/>
+                <a:ea typeface="Tahoma" panose="020B0604030504040204" pitchFamily="34" charset="0"/>
+                <a:cs typeface="Tahoma" panose="020B0604030504040204" pitchFamily="34" charset="0"/>
+              </a:rPr>
+              <a:t>write this program.</a:t>
+            </a:r>
+          </a:p>
+        </p:txBody>
+      </p:sp>
+      <p:sp>
+        <p:nvSpPr>
+          <p:cNvPr id="11" name="TextBox 10">
+            <a:extLst>
+              <a:ext uri="{FF2B5EF4-FFF2-40B4-BE49-F238E27FC236}">
+                <a16:creationId xmlns:a16="http://schemas.microsoft.com/office/drawing/2014/main" id="{60948C0E-A0DC-4718-AE8A-A11770147217}"/>
+              </a:ext>
+            </a:extLst>
+          </p:cNvPr>
+          <p:cNvSpPr txBox="1"/>
+          <p:nvPr/>
+        </p:nvSpPr>
+        <p:spPr>
+          <a:xfrm>
+            <a:off x="4733151" y="400595"/>
+            <a:ext cx="4039216" cy="5721532"/>
+          </a:xfrm>
+          <a:prstGeom prst="rect">
+            <a:avLst/>
+          </a:prstGeom>
+          <a:solidFill>
+            <a:schemeClr val="bg1"/>
+          </a:solidFill>
+        </p:spPr>
+        <p:txBody>
+          <a:bodyPr wrap="square" rtlCol="0">
+            <a:normAutofit fontScale="70000" lnSpcReduction="20000"/>
+          </a:bodyPr>
+          <a:lstStyle/>
+          <a:p>
+            <a:r>
+              <a:rPr lang="en-US" sz="1400" dirty="0">
+                <a:latin typeface="Tahoma" panose="020B0604030504040204" pitchFamily="34" charset="0"/>
+                <a:ea typeface="Tahoma" panose="020B0604030504040204" pitchFamily="34" charset="0"/>
+                <a:cs typeface="Tahoma" panose="020B0604030504040204" pitchFamily="34" charset="0"/>
+              </a:rPr>
+              <a:t>&lt;!doctype html&gt;</a:t>
+            </a:r>
+          </a:p>
+          <a:p>
+            <a:r>
+              <a:rPr lang="en-US" sz="1400" dirty="0">
+                <a:latin typeface="Tahoma" panose="020B0604030504040204" pitchFamily="34" charset="0"/>
+                <a:ea typeface="Tahoma" panose="020B0604030504040204" pitchFamily="34" charset="0"/>
+                <a:cs typeface="Tahoma" panose="020B0604030504040204" pitchFamily="34" charset="0"/>
+              </a:rPr>
+              <a:t>&lt;html&gt;</a:t>
+            </a:r>
+          </a:p>
+          <a:p>
+            <a:r>
+              <a:rPr lang="en-US" sz="1400" dirty="0">
+                <a:latin typeface="Tahoma" panose="020B0604030504040204" pitchFamily="34" charset="0"/>
+                <a:ea typeface="Tahoma" panose="020B0604030504040204" pitchFamily="34" charset="0"/>
+                <a:cs typeface="Tahoma" panose="020B0604030504040204" pitchFamily="34" charset="0"/>
+              </a:rPr>
+              <a:t>&lt;head&gt;</a:t>
+            </a:r>
+          </a:p>
+          <a:p>
+            <a:r>
+              <a:rPr lang="en-US" sz="1400" dirty="0">
+                <a:latin typeface="Tahoma" panose="020B0604030504040204" pitchFamily="34" charset="0"/>
+                <a:ea typeface="Tahoma" panose="020B0604030504040204" pitchFamily="34" charset="0"/>
+                <a:cs typeface="Tahoma" panose="020B0604030504040204" pitchFamily="34" charset="0"/>
+              </a:rPr>
+              <a:t>	&lt;meta charset="utf-8"&gt;</a:t>
+            </a:r>
+          </a:p>
+          <a:p>
+            <a:r>
+              <a:rPr lang="en-US" sz="1400" dirty="0">
+                <a:latin typeface="Tahoma" panose="020B0604030504040204" pitchFamily="34" charset="0"/>
+                <a:ea typeface="Tahoma" panose="020B0604030504040204" pitchFamily="34" charset="0"/>
+                <a:cs typeface="Tahoma" panose="020B0604030504040204" pitchFamily="34" charset="0"/>
+              </a:rPr>
+              <a:t>&lt;/head&gt;</a:t>
+            </a:r>
+          </a:p>
+          <a:p>
+            <a:r>
+              <a:rPr lang="en-US" sz="1400" dirty="0">
+                <a:latin typeface="Tahoma" panose="020B0604030504040204" pitchFamily="34" charset="0"/>
+                <a:ea typeface="Tahoma" panose="020B0604030504040204" pitchFamily="34" charset="0"/>
+                <a:cs typeface="Tahoma" panose="020B0604030504040204" pitchFamily="34" charset="0"/>
+              </a:rPr>
+              <a:t>&lt;body&gt;</a:t>
+            </a:r>
+          </a:p>
+          <a:p>
+            <a:endParaRPr lang="en-US" sz="1400" dirty="0">
+              <a:latin typeface="Tahoma" panose="020B0604030504040204" pitchFamily="34" charset="0"/>
+              <a:ea typeface="Tahoma" panose="020B0604030504040204" pitchFamily="34" charset="0"/>
+              <a:cs typeface="Tahoma" panose="020B0604030504040204" pitchFamily="34" charset="0"/>
+            </a:endParaRPr>
+          </a:p>
+          <a:p>
+            <a:r>
+              <a:rPr lang="en-US" sz="1400" dirty="0">
+                <a:latin typeface="Tahoma" panose="020B0604030504040204" pitchFamily="34" charset="0"/>
+                <a:ea typeface="Tahoma" panose="020B0604030504040204" pitchFamily="34" charset="0"/>
+                <a:cs typeface="Tahoma" panose="020B0604030504040204" pitchFamily="34" charset="0"/>
+              </a:rPr>
+              <a:t>&lt;?</a:t>
+            </a:r>
+            <a:r>
+              <a:rPr lang="en-US" sz="1400" dirty="0" err="1">
+                <a:latin typeface="Tahoma" panose="020B0604030504040204" pitchFamily="34" charset="0"/>
+                <a:ea typeface="Tahoma" panose="020B0604030504040204" pitchFamily="34" charset="0"/>
+                <a:cs typeface="Tahoma" panose="020B0604030504040204" pitchFamily="34" charset="0"/>
+              </a:rPr>
+              <a:t>php</a:t>
+            </a:r>
+            <a:endParaRPr lang="en-US" sz="1400" dirty="0">
+              <a:latin typeface="Tahoma" panose="020B0604030504040204" pitchFamily="34" charset="0"/>
+              <a:ea typeface="Tahoma" panose="020B0604030504040204" pitchFamily="34" charset="0"/>
+              <a:cs typeface="Tahoma" panose="020B0604030504040204" pitchFamily="34" charset="0"/>
+            </a:endParaRPr>
+          </a:p>
+          <a:p>
+            <a:r>
+              <a:rPr lang="en-US" sz="1400" dirty="0">
+                <a:latin typeface="Tahoma" panose="020B0604030504040204" pitchFamily="34" charset="0"/>
+                <a:ea typeface="Tahoma" panose="020B0604030504040204" pitchFamily="34" charset="0"/>
+                <a:cs typeface="Tahoma" panose="020B0604030504040204" pitchFamily="34" charset="0"/>
+              </a:rPr>
+              <a:t># connect database</a:t>
+            </a:r>
+          </a:p>
+          <a:p>
+            <a:r>
+              <a:rPr lang="en-US" sz="1400" dirty="0">
+                <a:latin typeface="Tahoma" panose="020B0604030504040204" pitchFamily="34" charset="0"/>
+                <a:ea typeface="Tahoma" panose="020B0604030504040204" pitchFamily="34" charset="0"/>
+                <a:cs typeface="Tahoma" panose="020B0604030504040204" pitchFamily="34" charset="0"/>
+              </a:rPr>
+              <a:t>$</a:t>
+            </a:r>
+            <a:r>
+              <a:rPr lang="en-US" sz="1400" dirty="0" err="1">
+                <a:latin typeface="Tahoma" panose="020B0604030504040204" pitchFamily="34" charset="0"/>
+                <a:ea typeface="Tahoma" panose="020B0604030504040204" pitchFamily="34" charset="0"/>
+                <a:cs typeface="Tahoma" panose="020B0604030504040204" pitchFamily="34" charset="0"/>
+              </a:rPr>
+              <a:t>mysqli</a:t>
+            </a:r>
+            <a:r>
+              <a:rPr lang="en-US" sz="1400" dirty="0">
+                <a:latin typeface="Tahoma" panose="020B0604030504040204" pitchFamily="34" charset="0"/>
+                <a:ea typeface="Tahoma" panose="020B0604030504040204" pitchFamily="34" charset="0"/>
+                <a:cs typeface="Tahoma" panose="020B0604030504040204" pitchFamily="34" charset="0"/>
+              </a:rPr>
+              <a:t> = new </a:t>
+            </a:r>
+            <a:r>
+              <a:rPr lang="en-US" sz="1400" dirty="0" err="1">
+                <a:latin typeface="Tahoma" panose="020B0604030504040204" pitchFamily="34" charset="0"/>
+                <a:ea typeface="Tahoma" panose="020B0604030504040204" pitchFamily="34" charset="0"/>
+                <a:cs typeface="Tahoma" panose="020B0604030504040204" pitchFamily="34" charset="0"/>
+              </a:rPr>
+              <a:t>mysqli</a:t>
+            </a:r>
+            <a:r>
+              <a:rPr lang="en-US" sz="1400" dirty="0">
+                <a:latin typeface="Tahoma" panose="020B0604030504040204" pitchFamily="34" charset="0"/>
+                <a:ea typeface="Tahoma" panose="020B0604030504040204" pitchFamily="34" charset="0"/>
+                <a:cs typeface="Tahoma" panose="020B0604030504040204" pitchFamily="34" charset="0"/>
+              </a:rPr>
+              <a:t>("localhost", "root", "12345678", "test");</a:t>
+            </a:r>
+          </a:p>
+          <a:p>
+            <a:endParaRPr lang="en-US" sz="1400" dirty="0">
+              <a:latin typeface="Tahoma" panose="020B0604030504040204" pitchFamily="34" charset="0"/>
+              <a:ea typeface="Tahoma" panose="020B0604030504040204" pitchFamily="34" charset="0"/>
+              <a:cs typeface="Tahoma" panose="020B0604030504040204" pitchFamily="34" charset="0"/>
+            </a:endParaRPr>
+          </a:p>
+          <a:p>
+            <a:r>
+              <a:rPr lang="en-US" sz="1400" dirty="0">
+                <a:latin typeface="Tahoma" panose="020B0604030504040204" pitchFamily="34" charset="0"/>
+                <a:ea typeface="Tahoma" panose="020B0604030504040204" pitchFamily="34" charset="0"/>
+                <a:cs typeface="Tahoma" panose="020B0604030504040204" pitchFamily="34" charset="0"/>
+              </a:rPr>
+              <a:t># </a:t>
+            </a:r>
+            <a:r>
+              <a:rPr lang="en-US" sz="1400" dirty="0" err="1">
+                <a:latin typeface="Tahoma" panose="020B0604030504040204" pitchFamily="34" charset="0"/>
+                <a:ea typeface="Tahoma" panose="020B0604030504040204" pitchFamily="34" charset="0"/>
+                <a:cs typeface="Tahoma" panose="020B0604030504040204" pitchFamily="34" charset="0"/>
+              </a:rPr>
+              <a:t>mysqli</a:t>
+            </a:r>
+            <a:endParaRPr lang="en-US" sz="1400" dirty="0">
+              <a:latin typeface="Tahoma" panose="020B0604030504040204" pitchFamily="34" charset="0"/>
+              <a:ea typeface="Tahoma" panose="020B0604030504040204" pitchFamily="34" charset="0"/>
+              <a:cs typeface="Tahoma" panose="020B0604030504040204" pitchFamily="34" charset="0"/>
+            </a:endParaRPr>
+          </a:p>
+          <a:p>
+            <a:r>
+              <a:rPr lang="en-US" sz="1400" dirty="0">
+                <a:latin typeface="Tahoma" panose="020B0604030504040204" pitchFamily="34" charset="0"/>
+                <a:ea typeface="Tahoma" panose="020B0604030504040204" pitchFamily="34" charset="0"/>
+                <a:cs typeface="Tahoma" panose="020B0604030504040204" pitchFamily="34" charset="0"/>
+              </a:rPr>
+              <a:t>$query = "SELECT * FROM lesson06";</a:t>
+            </a:r>
+          </a:p>
+          <a:p>
+            <a:endParaRPr lang="en-US" sz="1400" dirty="0">
+              <a:latin typeface="Tahoma" panose="020B0604030504040204" pitchFamily="34" charset="0"/>
+              <a:ea typeface="Tahoma" panose="020B0604030504040204" pitchFamily="34" charset="0"/>
+              <a:cs typeface="Tahoma" panose="020B0604030504040204" pitchFamily="34" charset="0"/>
+            </a:endParaRPr>
+          </a:p>
+          <a:p>
+            <a:r>
+              <a:rPr lang="en-US" sz="1400" dirty="0">
+                <a:latin typeface="Tahoma" panose="020B0604030504040204" pitchFamily="34" charset="0"/>
+                <a:ea typeface="Tahoma" panose="020B0604030504040204" pitchFamily="34" charset="0"/>
+                <a:cs typeface="Tahoma" panose="020B0604030504040204" pitchFamily="34" charset="0"/>
+              </a:rPr>
+              <a:t># run SQL</a:t>
+            </a:r>
+          </a:p>
+          <a:p>
+            <a:r>
+              <a:rPr lang="en-US" sz="1400" dirty="0">
+                <a:latin typeface="Tahoma" panose="020B0604030504040204" pitchFamily="34" charset="0"/>
+                <a:ea typeface="Tahoma" panose="020B0604030504040204" pitchFamily="34" charset="0"/>
+                <a:cs typeface="Tahoma" panose="020B0604030504040204" pitchFamily="34" charset="0"/>
+              </a:rPr>
+              <a:t>$result = $</a:t>
+            </a:r>
+            <a:r>
+              <a:rPr lang="en-US" sz="1400" dirty="0" err="1">
+                <a:latin typeface="Tahoma" panose="020B0604030504040204" pitchFamily="34" charset="0"/>
+                <a:ea typeface="Tahoma" panose="020B0604030504040204" pitchFamily="34" charset="0"/>
+                <a:cs typeface="Tahoma" panose="020B0604030504040204" pitchFamily="34" charset="0"/>
+              </a:rPr>
+              <a:t>mysqli</a:t>
+            </a:r>
+            <a:r>
+              <a:rPr lang="en-US" sz="1400" dirty="0">
+                <a:latin typeface="Tahoma" panose="020B0604030504040204" pitchFamily="34" charset="0"/>
+                <a:ea typeface="Tahoma" panose="020B0604030504040204" pitchFamily="34" charset="0"/>
+                <a:cs typeface="Tahoma" panose="020B0604030504040204" pitchFamily="34" charset="0"/>
+              </a:rPr>
+              <a:t>-&gt;query($query);</a:t>
+            </a:r>
+          </a:p>
+          <a:p>
+            <a:endParaRPr lang="en-US" sz="1400" dirty="0">
+              <a:latin typeface="Tahoma" panose="020B0604030504040204" pitchFamily="34" charset="0"/>
+              <a:ea typeface="Tahoma" panose="020B0604030504040204" pitchFamily="34" charset="0"/>
+              <a:cs typeface="Tahoma" panose="020B0604030504040204" pitchFamily="34" charset="0"/>
+            </a:endParaRPr>
+          </a:p>
+          <a:p>
+            <a:r>
+              <a:rPr lang="en-US" sz="1400" dirty="0">
+                <a:latin typeface="Tahoma" panose="020B0604030504040204" pitchFamily="34" charset="0"/>
+                <a:ea typeface="Tahoma" panose="020B0604030504040204" pitchFamily="34" charset="0"/>
+                <a:cs typeface="Tahoma" panose="020B0604030504040204" pitchFamily="34" charset="0"/>
+              </a:rPr>
+              <a:t># get result</a:t>
+            </a:r>
+          </a:p>
+          <a:p>
+            <a:r>
+              <a:rPr lang="en-US" sz="1400" dirty="0">
+                <a:latin typeface="Tahoma" panose="020B0604030504040204" pitchFamily="34" charset="0"/>
+                <a:ea typeface="Tahoma" panose="020B0604030504040204" pitchFamily="34" charset="0"/>
+                <a:cs typeface="Tahoma" panose="020B0604030504040204" pitchFamily="34" charset="0"/>
+              </a:rPr>
+              <a:t>$</a:t>
+            </a:r>
+            <a:r>
+              <a:rPr lang="en-US" sz="1400" dirty="0" err="1">
+                <a:latin typeface="Tahoma" panose="020B0604030504040204" pitchFamily="34" charset="0"/>
+                <a:ea typeface="Tahoma" panose="020B0604030504040204" pitchFamily="34" charset="0"/>
+                <a:cs typeface="Tahoma" panose="020B0604030504040204" pitchFamily="34" charset="0"/>
+              </a:rPr>
+              <a:t>row_count</a:t>
+            </a:r>
+            <a:r>
+              <a:rPr lang="en-US" sz="1400" dirty="0">
+                <a:latin typeface="Tahoma" panose="020B0604030504040204" pitchFamily="34" charset="0"/>
+                <a:ea typeface="Tahoma" panose="020B0604030504040204" pitchFamily="34" charset="0"/>
+                <a:cs typeface="Tahoma" panose="020B0604030504040204" pitchFamily="34" charset="0"/>
+              </a:rPr>
+              <a:t> = $result-&gt;</a:t>
+            </a:r>
+            <a:r>
+              <a:rPr lang="en-US" sz="1400" dirty="0" err="1">
+                <a:latin typeface="Tahoma" panose="020B0604030504040204" pitchFamily="34" charset="0"/>
+                <a:ea typeface="Tahoma" panose="020B0604030504040204" pitchFamily="34" charset="0"/>
+                <a:cs typeface="Tahoma" panose="020B0604030504040204" pitchFamily="34" charset="0"/>
+              </a:rPr>
+              <a:t>num_rows</a:t>
+            </a:r>
+            <a:r>
+              <a:rPr lang="en-US" sz="1400" dirty="0">
+                <a:latin typeface="Tahoma" panose="020B0604030504040204" pitchFamily="34" charset="0"/>
+                <a:ea typeface="Tahoma" panose="020B0604030504040204" pitchFamily="34" charset="0"/>
+                <a:cs typeface="Tahoma" panose="020B0604030504040204" pitchFamily="34" charset="0"/>
+              </a:rPr>
+              <a:t>;</a:t>
+            </a:r>
+          </a:p>
+          <a:p>
+            <a:r>
+              <a:rPr lang="en-US" sz="1400" dirty="0">
+                <a:latin typeface="Tahoma" panose="020B0604030504040204" pitchFamily="34" charset="0"/>
+                <a:ea typeface="Tahoma" panose="020B0604030504040204" pitchFamily="34" charset="0"/>
+                <a:cs typeface="Tahoma" panose="020B0604030504040204" pitchFamily="34" charset="0"/>
+              </a:rPr>
+              <a:t>?&gt;</a:t>
+            </a:r>
+          </a:p>
+          <a:p>
+            <a:endParaRPr lang="en-US" sz="1400" dirty="0">
+              <a:latin typeface="Tahoma" panose="020B0604030504040204" pitchFamily="34" charset="0"/>
+              <a:ea typeface="Tahoma" panose="020B0604030504040204" pitchFamily="34" charset="0"/>
+              <a:cs typeface="Tahoma" panose="020B0604030504040204" pitchFamily="34" charset="0"/>
+            </a:endParaRPr>
+          </a:p>
+          <a:p>
+            <a:r>
+              <a:rPr lang="en-US" sz="1400" dirty="0">
+                <a:latin typeface="Tahoma" panose="020B0604030504040204" pitchFamily="34" charset="0"/>
+                <a:ea typeface="Tahoma" panose="020B0604030504040204" pitchFamily="34" charset="0"/>
+                <a:cs typeface="Tahoma" panose="020B0604030504040204" pitchFamily="34" charset="0"/>
+              </a:rPr>
+              <a:t>&lt;table border=1&gt;</a:t>
+            </a:r>
+          </a:p>
+          <a:p>
+            <a:r>
+              <a:rPr lang="en-US" sz="1400" dirty="0">
+                <a:latin typeface="Tahoma" panose="020B0604030504040204" pitchFamily="34" charset="0"/>
+                <a:ea typeface="Tahoma" panose="020B0604030504040204" pitchFamily="34" charset="0"/>
+                <a:cs typeface="Tahoma" panose="020B0604030504040204" pitchFamily="34" charset="0"/>
+              </a:rPr>
+              <a:t>&lt;</a:t>
+            </a:r>
+            <a:r>
+              <a:rPr lang="en-US" sz="1400" dirty="0" err="1">
+                <a:latin typeface="Tahoma" panose="020B0604030504040204" pitchFamily="34" charset="0"/>
+                <a:ea typeface="Tahoma" panose="020B0604030504040204" pitchFamily="34" charset="0"/>
+                <a:cs typeface="Tahoma" panose="020B0604030504040204" pitchFamily="34" charset="0"/>
+              </a:rPr>
+              <a:t>tr</a:t>
+            </a:r>
+            <a:r>
+              <a:rPr lang="en-US" sz="1400" dirty="0">
+                <a:latin typeface="Tahoma" panose="020B0604030504040204" pitchFamily="34" charset="0"/>
+                <a:ea typeface="Tahoma" panose="020B0604030504040204" pitchFamily="34" charset="0"/>
+                <a:cs typeface="Tahoma" panose="020B0604030504040204" pitchFamily="34" charset="0"/>
+              </a:rPr>
+              <a:t>&gt;</a:t>
+            </a:r>
+          </a:p>
+          <a:p>
+            <a:r>
+              <a:rPr lang="en-US" sz="1400" dirty="0">
+                <a:latin typeface="Tahoma" panose="020B0604030504040204" pitchFamily="34" charset="0"/>
+                <a:ea typeface="Tahoma" panose="020B0604030504040204" pitchFamily="34" charset="0"/>
+                <a:cs typeface="Tahoma" panose="020B0604030504040204" pitchFamily="34" charset="0"/>
+              </a:rPr>
+              <a:t>&lt;td&gt;no&lt;/td&gt;</a:t>
+            </a:r>
+          </a:p>
+          <a:p>
+            <a:r>
+              <a:rPr lang="en-US" sz="1400" dirty="0">
+                <a:latin typeface="Tahoma" panose="020B0604030504040204" pitchFamily="34" charset="0"/>
+                <a:ea typeface="Tahoma" panose="020B0604030504040204" pitchFamily="34" charset="0"/>
+                <a:cs typeface="Tahoma" panose="020B0604030504040204" pitchFamily="34" charset="0"/>
+              </a:rPr>
+              <a:t>&lt;td&gt;name&lt;/td&gt;</a:t>
+            </a:r>
+          </a:p>
+          <a:p>
+            <a:r>
+              <a:rPr lang="en-US" sz="1400" dirty="0">
+                <a:latin typeface="Tahoma" panose="020B0604030504040204" pitchFamily="34" charset="0"/>
+                <a:ea typeface="Tahoma" panose="020B0604030504040204" pitchFamily="34" charset="0"/>
+                <a:cs typeface="Tahoma" panose="020B0604030504040204" pitchFamily="34" charset="0"/>
+              </a:rPr>
+              <a:t>&lt;/</a:t>
+            </a:r>
+            <a:r>
+              <a:rPr lang="en-US" sz="1400" dirty="0" err="1">
+                <a:latin typeface="Tahoma" panose="020B0604030504040204" pitchFamily="34" charset="0"/>
+                <a:ea typeface="Tahoma" panose="020B0604030504040204" pitchFamily="34" charset="0"/>
+                <a:cs typeface="Tahoma" panose="020B0604030504040204" pitchFamily="34" charset="0"/>
+              </a:rPr>
+              <a:t>tr</a:t>
+            </a:r>
+            <a:r>
+              <a:rPr lang="en-US" sz="1400" dirty="0">
+                <a:latin typeface="Tahoma" panose="020B0604030504040204" pitchFamily="34" charset="0"/>
+                <a:ea typeface="Tahoma" panose="020B0604030504040204" pitchFamily="34" charset="0"/>
+                <a:cs typeface="Tahoma" panose="020B0604030504040204" pitchFamily="34" charset="0"/>
+              </a:rPr>
+              <a:t>&gt;</a:t>
+            </a:r>
+          </a:p>
+          <a:p>
+            <a:endParaRPr lang="en-US" sz="1400" dirty="0">
+              <a:latin typeface="Tahoma" panose="020B0604030504040204" pitchFamily="34" charset="0"/>
+              <a:ea typeface="Tahoma" panose="020B0604030504040204" pitchFamily="34" charset="0"/>
+              <a:cs typeface="Tahoma" panose="020B0604030504040204" pitchFamily="34" charset="0"/>
+            </a:endParaRPr>
+          </a:p>
+          <a:p>
+            <a:r>
+              <a:rPr lang="en-US" sz="1400" dirty="0">
+                <a:latin typeface="Tahoma" panose="020B0604030504040204" pitchFamily="34" charset="0"/>
+                <a:ea typeface="Tahoma" panose="020B0604030504040204" pitchFamily="34" charset="0"/>
+                <a:cs typeface="Tahoma" panose="020B0604030504040204" pitchFamily="34" charset="0"/>
+              </a:rPr>
+              <a:t>&lt;?</a:t>
+            </a:r>
+            <a:r>
+              <a:rPr lang="en-US" sz="1400" dirty="0" err="1">
+                <a:latin typeface="Tahoma" panose="020B0604030504040204" pitchFamily="34" charset="0"/>
+                <a:ea typeface="Tahoma" panose="020B0604030504040204" pitchFamily="34" charset="0"/>
+                <a:cs typeface="Tahoma" panose="020B0604030504040204" pitchFamily="34" charset="0"/>
+              </a:rPr>
+              <a:t>php</a:t>
+            </a:r>
+            <a:endParaRPr lang="en-US" sz="1400" dirty="0">
+              <a:latin typeface="Tahoma" panose="020B0604030504040204" pitchFamily="34" charset="0"/>
+              <a:ea typeface="Tahoma" panose="020B0604030504040204" pitchFamily="34" charset="0"/>
+              <a:cs typeface="Tahoma" panose="020B0604030504040204" pitchFamily="34" charset="0"/>
+            </a:endParaRPr>
+          </a:p>
+          <a:p>
+            <a:r>
+              <a:rPr lang="en-US" sz="1400" dirty="0">
+                <a:latin typeface="Tahoma" panose="020B0604030504040204" pitchFamily="34" charset="0"/>
+                <a:ea typeface="Tahoma" panose="020B0604030504040204" pitchFamily="34" charset="0"/>
+                <a:cs typeface="Tahoma" panose="020B0604030504040204" pitchFamily="34" charset="0"/>
+              </a:rPr>
+              <a:t>for($</a:t>
+            </a:r>
+            <a:r>
+              <a:rPr lang="en-US" sz="1400" dirty="0" err="1">
+                <a:latin typeface="Tahoma" panose="020B0604030504040204" pitchFamily="34" charset="0"/>
+                <a:ea typeface="Tahoma" panose="020B0604030504040204" pitchFamily="34" charset="0"/>
+                <a:cs typeface="Tahoma" panose="020B0604030504040204" pitchFamily="34" charset="0"/>
+              </a:rPr>
+              <a:t>i</a:t>
+            </a:r>
+            <a:r>
+              <a:rPr lang="en-US" sz="1400" dirty="0">
+                <a:latin typeface="Tahoma" panose="020B0604030504040204" pitchFamily="34" charset="0"/>
+                <a:ea typeface="Tahoma" panose="020B0604030504040204" pitchFamily="34" charset="0"/>
+                <a:cs typeface="Tahoma" panose="020B0604030504040204" pitchFamily="34" charset="0"/>
+              </a:rPr>
+              <a:t> = 0; $</a:t>
+            </a:r>
+            <a:r>
+              <a:rPr lang="en-US" sz="1400" dirty="0" err="1">
+                <a:latin typeface="Tahoma" panose="020B0604030504040204" pitchFamily="34" charset="0"/>
+                <a:ea typeface="Tahoma" panose="020B0604030504040204" pitchFamily="34" charset="0"/>
+                <a:cs typeface="Tahoma" panose="020B0604030504040204" pitchFamily="34" charset="0"/>
+              </a:rPr>
+              <a:t>i</a:t>
+            </a:r>
+            <a:r>
+              <a:rPr lang="en-US" sz="1400" dirty="0">
+                <a:latin typeface="Tahoma" panose="020B0604030504040204" pitchFamily="34" charset="0"/>
+                <a:ea typeface="Tahoma" panose="020B0604030504040204" pitchFamily="34" charset="0"/>
+                <a:cs typeface="Tahoma" panose="020B0604030504040204" pitchFamily="34" charset="0"/>
+              </a:rPr>
+              <a:t> &lt; $</a:t>
+            </a:r>
+            <a:r>
+              <a:rPr lang="en-US" sz="1400" dirty="0" err="1">
+                <a:latin typeface="Tahoma" panose="020B0604030504040204" pitchFamily="34" charset="0"/>
+                <a:ea typeface="Tahoma" panose="020B0604030504040204" pitchFamily="34" charset="0"/>
+                <a:cs typeface="Tahoma" panose="020B0604030504040204" pitchFamily="34" charset="0"/>
+              </a:rPr>
+              <a:t>row_count</a:t>
+            </a:r>
+            <a:r>
+              <a:rPr lang="en-US" sz="1400" dirty="0">
+                <a:latin typeface="Tahoma" panose="020B0604030504040204" pitchFamily="34" charset="0"/>
+                <a:ea typeface="Tahoma" panose="020B0604030504040204" pitchFamily="34" charset="0"/>
+                <a:cs typeface="Tahoma" panose="020B0604030504040204" pitchFamily="34" charset="0"/>
+              </a:rPr>
+              <a:t>; $</a:t>
+            </a:r>
+            <a:r>
+              <a:rPr lang="en-US" sz="1400" dirty="0" err="1">
+                <a:latin typeface="Tahoma" panose="020B0604030504040204" pitchFamily="34" charset="0"/>
+                <a:ea typeface="Tahoma" panose="020B0604030504040204" pitchFamily="34" charset="0"/>
+                <a:cs typeface="Tahoma" panose="020B0604030504040204" pitchFamily="34" charset="0"/>
+              </a:rPr>
+              <a:t>i</a:t>
+            </a:r>
+            <a:r>
+              <a:rPr lang="en-US" sz="1400" dirty="0">
+                <a:latin typeface="Tahoma" panose="020B0604030504040204" pitchFamily="34" charset="0"/>
+                <a:ea typeface="Tahoma" panose="020B0604030504040204" pitchFamily="34" charset="0"/>
+                <a:cs typeface="Tahoma" panose="020B0604030504040204" pitchFamily="34" charset="0"/>
+              </a:rPr>
+              <a:t> ++){</a:t>
+            </a:r>
+          </a:p>
+          <a:p>
+            <a:r>
+              <a:rPr lang="en-US" sz="1400" dirty="0">
+                <a:latin typeface="Tahoma" panose="020B0604030504040204" pitchFamily="34" charset="0"/>
+                <a:ea typeface="Tahoma" panose="020B0604030504040204" pitchFamily="34" charset="0"/>
+                <a:cs typeface="Tahoma" panose="020B0604030504040204" pitchFamily="34" charset="0"/>
+              </a:rPr>
+              <a:t>	$data = $result-&gt;</a:t>
+            </a:r>
+            <a:r>
+              <a:rPr lang="en-US" sz="1400" dirty="0" err="1">
+                <a:latin typeface="Tahoma" panose="020B0604030504040204" pitchFamily="34" charset="0"/>
+                <a:ea typeface="Tahoma" panose="020B0604030504040204" pitchFamily="34" charset="0"/>
+                <a:cs typeface="Tahoma" panose="020B0604030504040204" pitchFamily="34" charset="0"/>
+              </a:rPr>
+              <a:t>fetch_assoc</a:t>
+            </a:r>
+            <a:r>
+              <a:rPr lang="en-US" sz="1400" dirty="0">
+                <a:latin typeface="Tahoma" panose="020B0604030504040204" pitchFamily="34" charset="0"/>
+                <a:ea typeface="Tahoma" panose="020B0604030504040204" pitchFamily="34" charset="0"/>
+                <a:cs typeface="Tahoma" panose="020B0604030504040204" pitchFamily="34" charset="0"/>
+              </a:rPr>
+              <a:t>();</a:t>
+            </a:r>
+          </a:p>
+          <a:p>
+            <a:r>
+              <a:rPr lang="en-US" sz="1400" dirty="0">
+                <a:latin typeface="Tahoma" panose="020B0604030504040204" pitchFamily="34" charset="0"/>
+                <a:ea typeface="Tahoma" panose="020B0604030504040204" pitchFamily="34" charset="0"/>
+                <a:cs typeface="Tahoma" panose="020B0604030504040204" pitchFamily="34" charset="0"/>
+              </a:rPr>
+              <a:t> ?&gt;</a:t>
+            </a:r>
+          </a:p>
+          <a:p>
+            <a:r>
+              <a:rPr lang="en-US" sz="1400" dirty="0">
+                <a:latin typeface="Tahoma" panose="020B0604030504040204" pitchFamily="34" charset="0"/>
+                <a:ea typeface="Tahoma" panose="020B0604030504040204" pitchFamily="34" charset="0"/>
+                <a:cs typeface="Tahoma" panose="020B0604030504040204" pitchFamily="34" charset="0"/>
+              </a:rPr>
+              <a:t>&lt;</a:t>
+            </a:r>
+            <a:r>
+              <a:rPr lang="en-US" sz="1400" dirty="0" err="1">
+                <a:latin typeface="Tahoma" panose="020B0604030504040204" pitchFamily="34" charset="0"/>
+                <a:ea typeface="Tahoma" panose="020B0604030504040204" pitchFamily="34" charset="0"/>
+                <a:cs typeface="Tahoma" panose="020B0604030504040204" pitchFamily="34" charset="0"/>
+              </a:rPr>
+              <a:t>tr</a:t>
+            </a:r>
+            <a:r>
+              <a:rPr lang="en-US" sz="1400" dirty="0">
+                <a:latin typeface="Tahoma" panose="020B0604030504040204" pitchFamily="34" charset="0"/>
+                <a:ea typeface="Tahoma" panose="020B0604030504040204" pitchFamily="34" charset="0"/>
+                <a:cs typeface="Tahoma" panose="020B0604030504040204" pitchFamily="34" charset="0"/>
+              </a:rPr>
+              <a:t>&gt;</a:t>
+            </a:r>
+          </a:p>
+          <a:p>
+            <a:r>
+              <a:rPr lang="en-US" sz="1400" dirty="0">
+                <a:latin typeface="Tahoma" panose="020B0604030504040204" pitchFamily="34" charset="0"/>
+                <a:ea typeface="Tahoma" panose="020B0604030504040204" pitchFamily="34" charset="0"/>
+                <a:cs typeface="Tahoma" panose="020B0604030504040204" pitchFamily="34" charset="0"/>
+              </a:rPr>
+              <a:t>&lt;td&gt;&lt;?</a:t>
+            </a:r>
+            <a:r>
+              <a:rPr lang="en-US" sz="1400" dirty="0" err="1">
+                <a:latin typeface="Tahoma" panose="020B0604030504040204" pitchFamily="34" charset="0"/>
+                <a:ea typeface="Tahoma" panose="020B0604030504040204" pitchFamily="34" charset="0"/>
+                <a:cs typeface="Tahoma" panose="020B0604030504040204" pitchFamily="34" charset="0"/>
+              </a:rPr>
+              <a:t>php</a:t>
+            </a:r>
+            <a:r>
+              <a:rPr lang="en-US" sz="1400" dirty="0">
+                <a:latin typeface="Tahoma" panose="020B0604030504040204" pitchFamily="34" charset="0"/>
+                <a:ea typeface="Tahoma" panose="020B0604030504040204" pitchFamily="34" charset="0"/>
+                <a:cs typeface="Tahoma" panose="020B0604030504040204" pitchFamily="34" charset="0"/>
+              </a:rPr>
+              <a:t> echo $data["no"] ?&gt;&lt;/td&gt;</a:t>
+            </a:r>
+          </a:p>
+          <a:p>
+            <a:r>
+              <a:rPr lang="en-US" sz="1400" dirty="0">
+                <a:latin typeface="Tahoma" panose="020B0604030504040204" pitchFamily="34" charset="0"/>
+                <a:ea typeface="Tahoma" panose="020B0604030504040204" pitchFamily="34" charset="0"/>
+                <a:cs typeface="Tahoma" panose="020B0604030504040204" pitchFamily="34" charset="0"/>
+              </a:rPr>
+              <a:t>&lt;td&gt;&lt;?</a:t>
+            </a:r>
+            <a:r>
+              <a:rPr lang="en-US" sz="1400" dirty="0" err="1">
+                <a:latin typeface="Tahoma" panose="020B0604030504040204" pitchFamily="34" charset="0"/>
+                <a:ea typeface="Tahoma" panose="020B0604030504040204" pitchFamily="34" charset="0"/>
+                <a:cs typeface="Tahoma" panose="020B0604030504040204" pitchFamily="34" charset="0"/>
+              </a:rPr>
+              <a:t>php</a:t>
+            </a:r>
+            <a:r>
+              <a:rPr lang="en-US" sz="1400" dirty="0">
+                <a:latin typeface="Tahoma" panose="020B0604030504040204" pitchFamily="34" charset="0"/>
+                <a:ea typeface="Tahoma" panose="020B0604030504040204" pitchFamily="34" charset="0"/>
+                <a:cs typeface="Tahoma" panose="020B0604030504040204" pitchFamily="34" charset="0"/>
+              </a:rPr>
+              <a:t> echo $data["name"] ?&gt;&lt;/td&gt;</a:t>
+            </a:r>
+          </a:p>
+          <a:p>
+            <a:r>
+              <a:rPr lang="en-US" sz="1400" dirty="0">
+                <a:latin typeface="Tahoma" panose="020B0604030504040204" pitchFamily="34" charset="0"/>
+                <a:ea typeface="Tahoma" panose="020B0604030504040204" pitchFamily="34" charset="0"/>
+                <a:cs typeface="Tahoma" panose="020B0604030504040204" pitchFamily="34" charset="0"/>
+              </a:rPr>
+              <a:t>&lt;/</a:t>
+            </a:r>
+            <a:r>
+              <a:rPr lang="en-US" sz="1400" dirty="0" err="1">
+                <a:latin typeface="Tahoma" panose="020B0604030504040204" pitchFamily="34" charset="0"/>
+                <a:ea typeface="Tahoma" panose="020B0604030504040204" pitchFamily="34" charset="0"/>
+                <a:cs typeface="Tahoma" panose="020B0604030504040204" pitchFamily="34" charset="0"/>
+              </a:rPr>
+              <a:t>tr</a:t>
+            </a:r>
+            <a:r>
+              <a:rPr lang="en-US" sz="1400" dirty="0">
+                <a:latin typeface="Tahoma" panose="020B0604030504040204" pitchFamily="34" charset="0"/>
+                <a:ea typeface="Tahoma" panose="020B0604030504040204" pitchFamily="34" charset="0"/>
+                <a:cs typeface="Tahoma" panose="020B0604030504040204" pitchFamily="34" charset="0"/>
+              </a:rPr>
+              <a:t>&gt;</a:t>
+            </a:r>
+          </a:p>
+          <a:p>
+            <a:r>
+              <a:rPr lang="en-US" sz="1400" dirty="0">
+                <a:latin typeface="Tahoma" panose="020B0604030504040204" pitchFamily="34" charset="0"/>
+                <a:ea typeface="Tahoma" panose="020B0604030504040204" pitchFamily="34" charset="0"/>
+                <a:cs typeface="Tahoma" panose="020B0604030504040204" pitchFamily="34" charset="0"/>
+              </a:rPr>
+              <a:t>&lt;?</a:t>
+            </a:r>
+            <a:r>
+              <a:rPr lang="en-US" sz="1400" dirty="0" err="1">
+                <a:latin typeface="Tahoma" panose="020B0604030504040204" pitchFamily="34" charset="0"/>
+                <a:ea typeface="Tahoma" panose="020B0604030504040204" pitchFamily="34" charset="0"/>
+                <a:cs typeface="Tahoma" panose="020B0604030504040204" pitchFamily="34" charset="0"/>
+              </a:rPr>
+              <a:t>php</a:t>
+            </a:r>
+            <a:endParaRPr lang="en-US" sz="1400" dirty="0">
+              <a:latin typeface="Tahoma" panose="020B0604030504040204" pitchFamily="34" charset="0"/>
+              <a:ea typeface="Tahoma" panose="020B0604030504040204" pitchFamily="34" charset="0"/>
+              <a:cs typeface="Tahoma" panose="020B0604030504040204" pitchFamily="34" charset="0"/>
+            </a:endParaRPr>
+          </a:p>
+          <a:p>
+            <a:r>
+              <a:rPr lang="en-US" sz="1400" dirty="0">
+                <a:latin typeface="Tahoma" panose="020B0604030504040204" pitchFamily="34" charset="0"/>
+                <a:ea typeface="Tahoma" panose="020B0604030504040204" pitchFamily="34" charset="0"/>
+                <a:cs typeface="Tahoma" panose="020B0604030504040204" pitchFamily="34" charset="0"/>
+              </a:rPr>
+              <a:t>}</a:t>
+            </a:r>
+          </a:p>
+          <a:p>
+            <a:r>
+              <a:rPr lang="en-US" sz="1400" dirty="0">
+                <a:latin typeface="Tahoma" panose="020B0604030504040204" pitchFamily="34" charset="0"/>
+                <a:ea typeface="Tahoma" panose="020B0604030504040204" pitchFamily="34" charset="0"/>
+                <a:cs typeface="Tahoma" panose="020B0604030504040204" pitchFamily="34" charset="0"/>
+              </a:rPr>
+              <a:t>?&gt;</a:t>
+            </a:r>
+          </a:p>
+          <a:p>
+            <a:r>
+              <a:rPr lang="en-US" sz="1400" dirty="0">
+                <a:latin typeface="Tahoma" panose="020B0604030504040204" pitchFamily="34" charset="0"/>
+                <a:ea typeface="Tahoma" panose="020B0604030504040204" pitchFamily="34" charset="0"/>
+                <a:cs typeface="Tahoma" panose="020B0604030504040204" pitchFamily="34" charset="0"/>
+              </a:rPr>
+              <a:t>&lt;/table&gt;</a:t>
+            </a:r>
+          </a:p>
+          <a:p>
+            <a:endParaRPr lang="en-US" sz="1400" dirty="0">
+              <a:latin typeface="Tahoma" panose="020B0604030504040204" pitchFamily="34" charset="0"/>
+              <a:ea typeface="Tahoma" panose="020B0604030504040204" pitchFamily="34" charset="0"/>
+              <a:cs typeface="Tahoma" panose="020B0604030504040204" pitchFamily="34" charset="0"/>
+            </a:endParaRPr>
+          </a:p>
+          <a:p>
+            <a:r>
+              <a:rPr lang="en-US" sz="1400" dirty="0">
+                <a:latin typeface="Tahoma" panose="020B0604030504040204" pitchFamily="34" charset="0"/>
+                <a:ea typeface="Tahoma" panose="020B0604030504040204" pitchFamily="34" charset="0"/>
+                <a:cs typeface="Tahoma" panose="020B0604030504040204" pitchFamily="34" charset="0"/>
+              </a:rPr>
+              <a:t>&lt;/body&gt;</a:t>
+            </a:r>
+          </a:p>
+          <a:p>
+            <a:r>
+              <a:rPr lang="en-US" sz="1400" dirty="0">
+                <a:latin typeface="Tahoma" panose="020B0604030504040204" pitchFamily="34" charset="0"/>
+                <a:ea typeface="Tahoma" panose="020B0604030504040204" pitchFamily="34" charset="0"/>
+                <a:cs typeface="Tahoma" panose="020B0604030504040204" pitchFamily="34" charset="0"/>
+              </a:rPr>
+              <a:t>&lt;/html&gt;</a:t>
+            </a:r>
+          </a:p>
+        </p:txBody>
+      </p:sp>
     </p:spTree>
     <p:extLst>
       <p:ext uri="{BB962C8B-B14F-4D97-AF65-F5344CB8AC3E}">
-        <p14:creationId xmlns:p14="http://schemas.microsoft.com/office/powerpoint/2010/main" val="384092229"/>
+        <p14:creationId xmlns:p14="http://schemas.microsoft.com/office/powerpoint/2010/main" val="2942690972"/>
       </p:ext>
     </p:extLst>
   </p:cSld>
@@ -5804,32 +6285,4 @@
     </a:ext>
   </a:extLst>
 </a:theme>
-</file>
-
-<file path=ppt/webextensions/webextension1.xml><?xml version="1.0" encoding="utf-8"?>
-<we:webextension xmlns:we="http://schemas.microsoft.com/office/webextensions/webextension/2010/11" id="{4B7C5246-1C33-4483-BFAF-081BFB40B5BA}" frozen="1">
-  <we:reference id="wa104379263" version="1.0.0.1" store="en-US" storeType="OMEX"/>
-  <we:alternateReferences>
-    <we:reference id="wa104379263" version="1.0.0.1" store="wa104379263" storeType="OMEX"/>
-  </we:alternateReferences>
-  <we:properties>
-    <we:property name="config" value="{&quot;display_lang&quot;:&quot;en&quot;,&quot;display_font&quot;:&quot;Consolas&quot;,&quot;syntax_color&quot;:{&quot;Reserved words&quot;:&quot;#0000ff&quot;,&quot;PHP core functions&quot;:&quot;#ff0000&quot;,&quot;PREFIX3&quot;:&quot;#008080&quot;,&quot;Namespaces&quot;:&quot;#808000&quot;,&quot;Line comment&quot;:&quot;#008000&quot;,&quot;Line comment 2&quot;:&quot;#008000&quot;,&quot;Block comment&quot;:&quot;#008000&quot;,&quot;Quotation&quot;:&quot;#FF00FF&quot;,&quot;Quotation 2&quot;:&quot;#FF00FF&quot;,&quot;Number&quot;:&quot;#800080&quot;},&quot;old_syntax_color&quot;:{&quot;Reserved words&quot;:&quot;#0000FF&quot;,&quot;PHP core functions&quot;:&quot;#FF0000&quot;,&quot;PREFIX3&quot;:&quot;#008080&quot;,&quot;Namespaces&quot;:&quot;#808000&quot;,&quot;Line comment&quot;:&quot;#008000&quot;,&quot;Line comment 2&quot;:&quot;#008000&quot;,&quot;Block comment&quot;:&quot;#008000&quot;,&quot;Quotation&quot;:&quot;#FF00FF&quot;,&quot;Quotation 2&quot;:&quot;#FF00FF&quot;,&quot;Number&quot;:&quot;#800080&quot;},&quot;show_line_number&quot;:true,&quot;code_lang&quot;:&quot;php&quot;,&quot;code&quot;:&quot;&lt;!doctype html&gt;\n&lt;html&gt;\n&lt;head&gt;\n    &lt;meta charset=\&quot;utf-8\&quot;&gt;\n&lt;/head&gt;\n&lt;body&gt;\n\n&lt;form action=\&quot;lesson05_receive.php\&quot; method=\&quot;POST\&quot;&gt;\ntext&lt;input type=\&quot;text\&quot; name=\&quot;text1\&quot; value=\&quot;\&quot;&gt;&lt;br&gt;\npassword&lt;input type=\&quot;text\&quot; name=\&quot;pass1\&quot; value=\&quot;\&quot;&gt;&lt;br&gt;\n&lt;hr&gt;\ncheckbox1&lt;input type=\&quot;checkbox\&quot; name=\&quot;c1\&quot; value=\&quot;1\&quot;&gt;&lt;br&gt;\ncheckbox2&lt;input type=\&quot;checkbox\&quot; name=\&quot;c1\&quot; value=\&quot;2\&quot; checked&gt;&lt;br&gt;\ncheckbox3&lt;input type=\&quot;checkbox\&quot; name=\&quot;c1\&quot; value=\&quot;3\&quot;&gt;&lt;br&gt;\n&lt;hr&gt;\nradio1&lt;input type=\&quot;radio\&quot; name=\&quot;r1\&quot; value=\&quot;1\&quot;&gt;&lt;br&gt;\nradio2&lt;input type=\&quot;radio\&quot; name=\&quot;r1\&quot; value=\&quot;2\&quot;&gt;&lt;br&gt;\nradio3&lt;input type=\&quot;radio\&quot; name=\&quot;r1\&quot; value=\&quot;3\&quot; checked&gt;&lt;br&gt;\n&lt;hr&gt;\ntextarea&lt;textarea name=\&quot;ta\&quot; cols=\&quot;70\&quot; rows=\&quot;5\&quot;&gt;test&lt;/textarea&gt;&lt;br&gt;\n&lt;hr&gt;\nselect\n&lt;select name=\&quot;sel\&quot;&gt;\n&lt;option value=\&quot;s1\&quot;&gt;s1&lt;/option&gt;\n&lt;option value=\&quot;s2\&quot;&gt;s2&lt;/option&gt;\n&lt;option value=\&quot;s3\&quot;&gt;s3&lt;/option&gt;\n&lt;/select&gt;\n&lt;hr&gt;\n&lt;input type=\&quot;submit\&quot; value=\&quot;next\&quot;&gt;\n&lt;/form&gt;\n\n&lt;/body&gt;\n&lt;/html&gt;\n&quot;,&quot;ctags&quot;:{}}"/>
-  </we:properties>
-  <we:bindings/>
-  <we:snapshot xmlns:r="http://schemas.openxmlformats.org/officeDocument/2006/relationships" r:embed="rId1"/>
-</we:webextension>
-</file>
-
-<file path=ppt/webextensions/webextension2.xml><?xml version="1.0" encoding="utf-8"?>
-<we:webextension xmlns:we="http://schemas.microsoft.com/office/webextensions/webextension/2010/11" id="{4B7C5246-1C33-4483-BFAF-081BFB40B5BA}" frozen="1">
-  <we:reference id="wa104379263" version="1.0.0.1" store="en-US" storeType="OMEX"/>
-  <we:alternateReferences>
-    <we:reference id="wa104379263" version="1.0.0.1" store="wa104379263" storeType="OMEX"/>
-  </we:alternateReferences>
-  <we:properties>
-    <we:property name="config" value="{&quot;display_lang&quot;:&quot;en&quot;,&quot;display_font&quot;:&quot;Consolas&quot;,&quot;syntax_color&quot;:{&quot;Reserved words&quot;:&quot;#0000ff&quot;,&quot;PHP core functions&quot;:&quot;#ff0000&quot;,&quot;PREFIX3&quot;:&quot;#008080&quot;,&quot;Namespaces&quot;:&quot;#808000&quot;,&quot;Line comment&quot;:&quot;#008000&quot;,&quot;Line comment 2&quot;:&quot;#008000&quot;,&quot;Block comment&quot;:&quot;#008000&quot;,&quot;Quotation&quot;:&quot;#FF00FF&quot;,&quot;Quotation 2&quot;:&quot;#FF00FF&quot;,&quot;Number&quot;:&quot;#800080&quot;},&quot;old_syntax_color&quot;:{&quot;Reserved words&quot;:&quot;#0000FF&quot;,&quot;PHP core functions&quot;:&quot;#FF0000&quot;,&quot;PREFIX3&quot;:&quot;#008080&quot;,&quot;Namespaces&quot;:&quot;#808000&quot;,&quot;Line comment&quot;:&quot;#008000&quot;,&quot;Line comment 2&quot;:&quot;#008000&quot;,&quot;Block comment&quot;:&quot;#008000&quot;,&quot;Quotation&quot;:&quot;#FF00FF&quot;,&quot;Quotation 2&quot;:&quot;#FF00FF&quot;,&quot;Number&quot;:&quot;#800080&quot;},&quot;show_line_number&quot;:true,&quot;code_lang&quot;:&quot;php&quot;,&quot;code&quot;:&quot;&lt;!doctype html&gt;\n&lt;html&gt;\n&lt;head&gt;\n    &lt;meta charset=\&quot;utf-8\&quot;&gt;\n&lt;/head&gt;\n&lt;body&gt;\n\n&lt;?php\n    $text1 = $_POST[\&quot;text1\&quot;];\n    $pass1 = $_POST[\&quot;pass1\&quot;];\n    $c1 = $_POST[\&quot;c1\&quot;];\n    $r1 = $_POST[\&quot;r1\&quot;];\n    $ta = $_POST[\&quot;ta\&quot;];\n    $sel = $_POST[\&quot;sel\&quot;];\n?&gt;\n\ntext1=&lt;?php print $text1; ?&gt;&lt;br&gt;\npass1=&lt;?php print $pass1; ?&gt;&lt;br&gt;\nc1=&lt;?php print $c1; ?&gt;&lt;br&gt;\nr1=&lt;?php print $r1; ?&gt;&lt;br&gt;\nta=&lt;?php print $ta; ?&gt;&lt;br&gt;\nsel=&lt;?php print $sel; ?&gt;&lt;br&gt;\n\n&lt;/body&gt;\n&lt;/html&gt;\n&quot;,&quot;ctags&quot;:{&quot;c1&quot;:[{&quot;linenum&quot;:&quot;11&quot;,&quot;signature&quot;:&quot;$c1 = $_POST[\&quot;c1\&quot;];&quot;}],&quot;pass1&quot;:[{&quot;linenum&quot;:&quot;10&quot;,&quot;signature&quot;:&quot;$pass1 = $_POST[\&quot;pass1\&quot;];&quot;}],&quot;r1&quot;:[{&quot;linenum&quot;:&quot;12&quot;,&quot;signature&quot;:&quot;$r1 = $_POST[\&quot;r1\&quot;];&quot;}],&quot;sel&quot;:[{&quot;linenum&quot;:&quot;14&quot;,&quot;signature&quot;:&quot;$sel = $_POST[\&quot;sel\&quot;];&quot;}],&quot;ta&quot;:[{&quot;linenum&quot;:&quot;13&quot;,&quot;signature&quot;:&quot;$ta = $_POST[\&quot;ta\&quot;];&quot;}],&quot;text1&quot;:[{&quot;linenum&quot;:&quot;9&quot;,&quot;signature&quot;:&quot;$text1 = $_POST[\&quot;text1\&quot;];&quot;}]}}"/>
-  </we:properties>
-  <we:bindings/>
-  <we:snapshot xmlns:r="http://schemas.openxmlformats.org/officeDocument/2006/relationships" r:embed="rId1"/>
-</we:webextension>
 </file>